--- a/Team_MPG.pptx
+++ b/Team_MPG.pptx
@@ -10,7 +10,12 @@
     <p:sldId id="258" r:id="rId4"/>
     <p:sldId id="259" r:id="rId5"/>
     <p:sldId id="260" r:id="rId6"/>
-    <p:sldId id="261" r:id="rId7"/>
+    <p:sldId id="263" r:id="rId7"/>
+    <p:sldId id="266" r:id="rId8"/>
+    <p:sldId id="265" r:id="rId9"/>
+    <p:sldId id="267" r:id="rId10"/>
+    <p:sldId id="268" r:id="rId11"/>
+    <p:sldId id="269" r:id="rId12"/>
   </p:sldIdLst>
   <p:sldSz cx="12192000" cy="6858000"/>
   <p:notesSz cx="6858000" cy="9144000"/>
@@ -109,7 +114,21 @@
       </a:defRPr>
     </a:lvl9pPr>
   </p:defaultTextStyle>
+  <p:extLst>
+    <p:ext uri="{EFAFB233-063F-42B5-8137-9DF3F51BA10A}">
+      <p15:sldGuideLst xmlns:p15="http://schemas.microsoft.com/office/powerpoint/2012/main"/>
+    </p:ext>
+  </p:extLst>
 </p:presentation>
+</file>
+
+<file path=ppt/revisionInfo.xml><?xml version="1.0" encoding="utf-8"?>
+<p1510:revInfo xmlns:a="http://schemas.openxmlformats.org/drawingml/2006/main" xmlns:r="http://schemas.openxmlformats.org/officeDocument/2006/relationships" xmlns:p1510="http://schemas.microsoft.com/office/powerpoint/2015/10/main">
+  <p1510:revLst>
+    <p1510:client id="{7894BA21-F7D9-892F-3685-AF6316F74EEF}" v="712" dt="2025-03-17T22:08:03.572"/>
+    <p1510:client id="{93B4614D-5185-9E3C-FBF3-5205840F6BF6}" v="10" dt="2025-03-18T12:12:51.434"/>
+  </p1510:revLst>
+</p1510:revInfo>
 </file>
 
 <file path=ppt/slideLayouts/slideLayout1.xml><?xml version="1.0" encoding="utf-8"?>
@@ -154,10 +173,9 @@
           </a:lstStyle>
           <a:p>
             <a:r>
-              <a:rPr lang="en-US" smtClean="0"/>
+              <a:rPr lang="en-US"/>
               <a:t>Click to edit Master title style</a:t>
             </a:r>
-            <a:endParaRPr lang="en-US"/>
           </a:p>
         </p:txBody>
       </p:sp>
@@ -219,10 +237,9 @@
           </a:lstStyle>
           <a:p>
             <a:r>
-              <a:rPr lang="en-US" smtClean="0"/>
+              <a:rPr lang="en-US"/>
               <a:t>Click to edit Master subtitle style</a:t>
             </a:r>
-            <a:endParaRPr lang="en-US"/>
           </a:p>
         </p:txBody>
       </p:sp>
@@ -243,7 +260,7 @@
           <a:p>
             <a:fld id="{BB8B9D5A-51CD-4068-9D3E-C15C4F5CA8E3}" type="datetimeFigureOut">
               <a:rPr lang="en-US" smtClean="0"/>
-              <a:t>3/17/2025</a:t>
+              <a:t>3/18/2025</a:t>
             </a:fld>
             <a:endParaRPr lang="en-US"/>
           </a:p>
@@ -285,7 +302,7 @@
           <a:p>
             <a:fld id="{516F1398-8C6A-4772-A1E8-0D05CDA7C0EE}" type="slidenum">
               <a:rPr lang="en-US" smtClean="0"/>
-              <a:t>‹#›</a:t>
+              <a:t>‹Nº›</a:t>
             </a:fld>
             <a:endParaRPr lang="en-US"/>
           </a:p>
@@ -337,10 +354,9 @@
           <a:lstStyle/>
           <a:p>
             <a:r>
-              <a:rPr lang="en-US" smtClean="0"/>
+              <a:rPr lang="en-US"/>
               <a:t>Click to edit Master title style</a:t>
             </a:r>
-            <a:endParaRPr lang="en-US"/>
           </a:p>
         </p:txBody>
       </p:sp>
@@ -361,38 +377,37 @@
           <a:p>
             <a:pPr lvl="0"/>
             <a:r>
-              <a:rPr lang="en-US" smtClean="0"/>
+              <a:rPr lang="en-US"/>
               <a:t>Edit Master text styles</a:t>
             </a:r>
           </a:p>
           <a:p>
             <a:pPr lvl="1"/>
             <a:r>
-              <a:rPr lang="en-US" smtClean="0"/>
+              <a:rPr lang="en-US"/>
               <a:t>Second level</a:t>
             </a:r>
           </a:p>
           <a:p>
             <a:pPr lvl="2"/>
             <a:r>
-              <a:rPr lang="en-US" smtClean="0"/>
+              <a:rPr lang="en-US"/>
               <a:t>Third level</a:t>
             </a:r>
           </a:p>
           <a:p>
             <a:pPr lvl="3"/>
             <a:r>
-              <a:rPr lang="en-US" smtClean="0"/>
+              <a:rPr lang="en-US"/>
               <a:t>Fourth level</a:t>
             </a:r>
           </a:p>
           <a:p>
             <a:pPr lvl="4"/>
             <a:r>
-              <a:rPr lang="en-US" smtClean="0"/>
+              <a:rPr lang="en-US"/>
               <a:t>Fifth level</a:t>
             </a:r>
-            <a:endParaRPr lang="en-US"/>
           </a:p>
         </p:txBody>
       </p:sp>
@@ -413,7 +428,7 @@
           <a:p>
             <a:fld id="{BB8B9D5A-51CD-4068-9D3E-C15C4F5CA8E3}" type="datetimeFigureOut">
               <a:rPr lang="en-US" smtClean="0"/>
-              <a:t>3/17/2025</a:t>
+              <a:t>3/18/2025</a:t>
             </a:fld>
             <a:endParaRPr lang="en-US"/>
           </a:p>
@@ -455,7 +470,7 @@
           <a:p>
             <a:fld id="{516F1398-8C6A-4772-A1E8-0D05CDA7C0EE}" type="slidenum">
               <a:rPr lang="en-US" smtClean="0"/>
-              <a:t>‹#›</a:t>
+              <a:t>‹Nº›</a:t>
             </a:fld>
             <a:endParaRPr lang="en-US"/>
           </a:p>
@@ -512,10 +527,9 @@
           <a:lstStyle/>
           <a:p>
             <a:r>
-              <a:rPr lang="en-US" smtClean="0"/>
+              <a:rPr lang="en-US"/>
               <a:t>Click to edit Master title style</a:t>
             </a:r>
-            <a:endParaRPr lang="en-US"/>
           </a:p>
         </p:txBody>
       </p:sp>
@@ -541,38 +555,37 @@
           <a:p>
             <a:pPr lvl="0"/>
             <a:r>
-              <a:rPr lang="en-US" smtClean="0"/>
+              <a:rPr lang="en-US"/>
               <a:t>Edit Master text styles</a:t>
             </a:r>
           </a:p>
           <a:p>
             <a:pPr lvl="1"/>
             <a:r>
-              <a:rPr lang="en-US" smtClean="0"/>
+              <a:rPr lang="en-US"/>
               <a:t>Second level</a:t>
             </a:r>
           </a:p>
           <a:p>
             <a:pPr lvl="2"/>
             <a:r>
-              <a:rPr lang="en-US" smtClean="0"/>
+              <a:rPr lang="en-US"/>
               <a:t>Third level</a:t>
             </a:r>
           </a:p>
           <a:p>
             <a:pPr lvl="3"/>
             <a:r>
-              <a:rPr lang="en-US" smtClean="0"/>
+              <a:rPr lang="en-US"/>
               <a:t>Fourth level</a:t>
             </a:r>
           </a:p>
           <a:p>
             <a:pPr lvl="4"/>
             <a:r>
-              <a:rPr lang="en-US" smtClean="0"/>
+              <a:rPr lang="en-US"/>
               <a:t>Fifth level</a:t>
             </a:r>
-            <a:endParaRPr lang="en-US"/>
           </a:p>
         </p:txBody>
       </p:sp>
@@ -593,7 +606,7 @@
           <a:p>
             <a:fld id="{BB8B9D5A-51CD-4068-9D3E-C15C4F5CA8E3}" type="datetimeFigureOut">
               <a:rPr lang="en-US" smtClean="0"/>
-              <a:t>3/17/2025</a:t>
+              <a:t>3/18/2025</a:t>
             </a:fld>
             <a:endParaRPr lang="en-US"/>
           </a:p>
@@ -635,7 +648,7 @@
           <a:p>
             <a:fld id="{516F1398-8C6A-4772-A1E8-0D05CDA7C0EE}" type="slidenum">
               <a:rPr lang="en-US" smtClean="0"/>
-              <a:t>‹#›</a:t>
+              <a:t>‹Nº›</a:t>
             </a:fld>
             <a:endParaRPr lang="en-US"/>
           </a:p>
@@ -687,10 +700,9 @@
           <a:lstStyle/>
           <a:p>
             <a:r>
-              <a:rPr lang="en-US" smtClean="0"/>
+              <a:rPr lang="en-US"/>
               <a:t>Click to edit Master title style</a:t>
             </a:r>
-            <a:endParaRPr lang="en-US"/>
           </a:p>
         </p:txBody>
       </p:sp>
@@ -711,38 +723,37 @@
           <a:p>
             <a:pPr lvl="0"/>
             <a:r>
-              <a:rPr lang="en-US" smtClean="0"/>
+              <a:rPr lang="en-US"/>
               <a:t>Edit Master text styles</a:t>
             </a:r>
           </a:p>
           <a:p>
             <a:pPr lvl="1"/>
             <a:r>
-              <a:rPr lang="en-US" smtClean="0"/>
+              <a:rPr lang="en-US"/>
               <a:t>Second level</a:t>
             </a:r>
           </a:p>
           <a:p>
             <a:pPr lvl="2"/>
             <a:r>
-              <a:rPr lang="en-US" smtClean="0"/>
+              <a:rPr lang="en-US"/>
               <a:t>Third level</a:t>
             </a:r>
           </a:p>
           <a:p>
             <a:pPr lvl="3"/>
             <a:r>
-              <a:rPr lang="en-US" smtClean="0"/>
+              <a:rPr lang="en-US"/>
               <a:t>Fourth level</a:t>
             </a:r>
           </a:p>
           <a:p>
             <a:pPr lvl="4"/>
             <a:r>
-              <a:rPr lang="en-US" smtClean="0"/>
+              <a:rPr lang="en-US"/>
               <a:t>Fifth level</a:t>
             </a:r>
-            <a:endParaRPr lang="en-US"/>
           </a:p>
         </p:txBody>
       </p:sp>
@@ -763,7 +774,7 @@
           <a:p>
             <a:fld id="{BB8B9D5A-51CD-4068-9D3E-C15C4F5CA8E3}" type="datetimeFigureOut">
               <a:rPr lang="en-US" smtClean="0"/>
-              <a:t>3/17/2025</a:t>
+              <a:t>3/18/2025</a:t>
             </a:fld>
             <a:endParaRPr lang="en-US"/>
           </a:p>
@@ -805,7 +816,7 @@
           <a:p>
             <a:fld id="{516F1398-8C6A-4772-A1E8-0D05CDA7C0EE}" type="slidenum">
               <a:rPr lang="en-US" smtClean="0"/>
-              <a:t>‹#›</a:t>
+              <a:t>‹Nº›</a:t>
             </a:fld>
             <a:endParaRPr lang="en-US"/>
           </a:p>
@@ -866,10 +877,9 @@
           </a:lstStyle>
           <a:p>
             <a:r>
-              <a:rPr lang="en-US" smtClean="0"/>
+              <a:rPr lang="en-US"/>
               <a:t>Click to edit Master title style</a:t>
             </a:r>
-            <a:endParaRPr lang="en-US"/>
           </a:p>
         </p:txBody>
       </p:sp>
@@ -986,7 +996,7 @@
           <a:p>
             <a:pPr lvl="0"/>
             <a:r>
-              <a:rPr lang="en-US" smtClean="0"/>
+              <a:rPr lang="en-US"/>
               <a:t>Edit Master text styles</a:t>
             </a:r>
           </a:p>
@@ -1009,7 +1019,7 @@
           <a:p>
             <a:fld id="{BB8B9D5A-51CD-4068-9D3E-C15C4F5CA8E3}" type="datetimeFigureOut">
               <a:rPr lang="en-US" smtClean="0"/>
-              <a:t>3/17/2025</a:t>
+              <a:t>3/18/2025</a:t>
             </a:fld>
             <a:endParaRPr lang="en-US"/>
           </a:p>
@@ -1051,7 +1061,7 @@
           <a:p>
             <a:fld id="{516F1398-8C6A-4772-A1E8-0D05CDA7C0EE}" type="slidenum">
               <a:rPr lang="en-US" smtClean="0"/>
-              <a:t>‹#›</a:t>
+              <a:t>‹Nº›</a:t>
             </a:fld>
             <a:endParaRPr lang="en-US"/>
           </a:p>
@@ -1103,10 +1113,9 @@
           <a:lstStyle/>
           <a:p>
             <a:r>
-              <a:rPr lang="en-US" smtClean="0"/>
+              <a:rPr lang="en-US"/>
               <a:t>Click to edit Master title style</a:t>
             </a:r>
-            <a:endParaRPr lang="en-US"/>
           </a:p>
         </p:txBody>
       </p:sp>
@@ -1132,38 +1141,37 @@
           <a:p>
             <a:pPr lvl="0"/>
             <a:r>
-              <a:rPr lang="en-US" smtClean="0"/>
+              <a:rPr lang="en-US"/>
               <a:t>Edit Master text styles</a:t>
             </a:r>
           </a:p>
           <a:p>
             <a:pPr lvl="1"/>
             <a:r>
-              <a:rPr lang="en-US" smtClean="0"/>
+              <a:rPr lang="en-US"/>
               <a:t>Second level</a:t>
             </a:r>
           </a:p>
           <a:p>
             <a:pPr lvl="2"/>
             <a:r>
-              <a:rPr lang="en-US" smtClean="0"/>
+              <a:rPr lang="en-US"/>
               <a:t>Third level</a:t>
             </a:r>
           </a:p>
           <a:p>
             <a:pPr lvl="3"/>
             <a:r>
-              <a:rPr lang="en-US" smtClean="0"/>
+              <a:rPr lang="en-US"/>
               <a:t>Fourth level</a:t>
             </a:r>
           </a:p>
           <a:p>
             <a:pPr lvl="4"/>
             <a:r>
-              <a:rPr lang="en-US" smtClean="0"/>
+              <a:rPr lang="en-US"/>
               <a:t>Fifth level</a:t>
             </a:r>
-            <a:endParaRPr lang="en-US"/>
           </a:p>
         </p:txBody>
       </p:sp>
@@ -1189,38 +1197,37 @@
           <a:p>
             <a:pPr lvl="0"/>
             <a:r>
-              <a:rPr lang="en-US" smtClean="0"/>
+              <a:rPr lang="en-US"/>
               <a:t>Edit Master text styles</a:t>
             </a:r>
           </a:p>
           <a:p>
             <a:pPr lvl="1"/>
             <a:r>
-              <a:rPr lang="en-US" smtClean="0"/>
+              <a:rPr lang="en-US"/>
               <a:t>Second level</a:t>
             </a:r>
           </a:p>
           <a:p>
             <a:pPr lvl="2"/>
             <a:r>
-              <a:rPr lang="en-US" smtClean="0"/>
+              <a:rPr lang="en-US"/>
               <a:t>Third level</a:t>
             </a:r>
           </a:p>
           <a:p>
             <a:pPr lvl="3"/>
             <a:r>
-              <a:rPr lang="en-US" smtClean="0"/>
+              <a:rPr lang="en-US"/>
               <a:t>Fourth level</a:t>
             </a:r>
           </a:p>
           <a:p>
             <a:pPr lvl="4"/>
             <a:r>
-              <a:rPr lang="en-US" smtClean="0"/>
+              <a:rPr lang="en-US"/>
               <a:t>Fifth level</a:t>
             </a:r>
-            <a:endParaRPr lang="en-US"/>
           </a:p>
         </p:txBody>
       </p:sp>
@@ -1241,7 +1248,7 @@
           <a:p>
             <a:fld id="{BB8B9D5A-51CD-4068-9D3E-C15C4F5CA8E3}" type="datetimeFigureOut">
               <a:rPr lang="en-US" smtClean="0"/>
-              <a:t>3/17/2025</a:t>
+              <a:t>3/18/2025</a:t>
             </a:fld>
             <a:endParaRPr lang="en-US"/>
           </a:p>
@@ -1283,7 +1290,7 @@
           <a:p>
             <a:fld id="{516F1398-8C6A-4772-A1E8-0D05CDA7C0EE}" type="slidenum">
               <a:rPr lang="en-US" smtClean="0"/>
-              <a:t>‹#›</a:t>
+              <a:t>‹Nº›</a:t>
             </a:fld>
             <a:endParaRPr lang="en-US"/>
           </a:p>
@@ -1340,10 +1347,9 @@
           <a:lstStyle/>
           <a:p>
             <a:r>
-              <a:rPr lang="en-US" smtClean="0"/>
+              <a:rPr lang="en-US"/>
               <a:t>Click to edit Master title style</a:t>
             </a:r>
-            <a:endParaRPr lang="en-US"/>
           </a:p>
         </p:txBody>
       </p:sp>
@@ -1406,7 +1412,7 @@
           <a:p>
             <a:pPr lvl="0"/>
             <a:r>
-              <a:rPr lang="en-US" smtClean="0"/>
+              <a:rPr lang="en-US"/>
               <a:t>Edit Master text styles</a:t>
             </a:r>
           </a:p>
@@ -1434,38 +1440,37 @@
           <a:p>
             <a:pPr lvl="0"/>
             <a:r>
-              <a:rPr lang="en-US" smtClean="0"/>
+              <a:rPr lang="en-US"/>
               <a:t>Edit Master text styles</a:t>
             </a:r>
           </a:p>
           <a:p>
             <a:pPr lvl="1"/>
             <a:r>
-              <a:rPr lang="en-US" smtClean="0"/>
+              <a:rPr lang="en-US"/>
               <a:t>Second level</a:t>
             </a:r>
           </a:p>
           <a:p>
             <a:pPr lvl="2"/>
             <a:r>
-              <a:rPr lang="en-US" smtClean="0"/>
+              <a:rPr lang="en-US"/>
               <a:t>Third level</a:t>
             </a:r>
           </a:p>
           <a:p>
             <a:pPr lvl="3"/>
             <a:r>
-              <a:rPr lang="en-US" smtClean="0"/>
+              <a:rPr lang="en-US"/>
               <a:t>Fourth level</a:t>
             </a:r>
           </a:p>
           <a:p>
             <a:pPr lvl="4"/>
             <a:r>
-              <a:rPr lang="en-US" smtClean="0"/>
+              <a:rPr lang="en-US"/>
               <a:t>Fifth level</a:t>
             </a:r>
-            <a:endParaRPr lang="en-US"/>
           </a:p>
         </p:txBody>
       </p:sp>
@@ -1528,7 +1533,7 @@
           <a:p>
             <a:pPr lvl="0"/>
             <a:r>
-              <a:rPr lang="en-US" smtClean="0"/>
+              <a:rPr lang="en-US"/>
               <a:t>Edit Master text styles</a:t>
             </a:r>
           </a:p>
@@ -1556,38 +1561,37 @@
           <a:p>
             <a:pPr lvl="0"/>
             <a:r>
-              <a:rPr lang="en-US" smtClean="0"/>
+              <a:rPr lang="en-US"/>
               <a:t>Edit Master text styles</a:t>
             </a:r>
           </a:p>
           <a:p>
             <a:pPr lvl="1"/>
             <a:r>
-              <a:rPr lang="en-US" smtClean="0"/>
+              <a:rPr lang="en-US"/>
               <a:t>Second level</a:t>
             </a:r>
           </a:p>
           <a:p>
             <a:pPr lvl="2"/>
             <a:r>
-              <a:rPr lang="en-US" smtClean="0"/>
+              <a:rPr lang="en-US"/>
               <a:t>Third level</a:t>
             </a:r>
           </a:p>
           <a:p>
             <a:pPr lvl="3"/>
             <a:r>
-              <a:rPr lang="en-US" smtClean="0"/>
+              <a:rPr lang="en-US"/>
               <a:t>Fourth level</a:t>
             </a:r>
           </a:p>
           <a:p>
             <a:pPr lvl="4"/>
             <a:r>
-              <a:rPr lang="en-US" smtClean="0"/>
+              <a:rPr lang="en-US"/>
               <a:t>Fifth level</a:t>
             </a:r>
-            <a:endParaRPr lang="en-US"/>
           </a:p>
         </p:txBody>
       </p:sp>
@@ -1608,7 +1612,7 @@
           <a:p>
             <a:fld id="{BB8B9D5A-51CD-4068-9D3E-C15C4F5CA8E3}" type="datetimeFigureOut">
               <a:rPr lang="en-US" smtClean="0"/>
-              <a:t>3/17/2025</a:t>
+              <a:t>3/18/2025</a:t>
             </a:fld>
             <a:endParaRPr lang="en-US"/>
           </a:p>
@@ -1650,7 +1654,7 @@
           <a:p>
             <a:fld id="{516F1398-8C6A-4772-A1E8-0D05CDA7C0EE}" type="slidenum">
               <a:rPr lang="en-US" smtClean="0"/>
-              <a:t>‹#›</a:t>
+              <a:t>‹Nº›</a:t>
             </a:fld>
             <a:endParaRPr lang="en-US"/>
           </a:p>
@@ -1702,10 +1706,9 @@
           <a:lstStyle/>
           <a:p>
             <a:r>
-              <a:rPr lang="en-US" smtClean="0"/>
+              <a:rPr lang="en-US"/>
               <a:t>Click to edit Master title style</a:t>
             </a:r>
-            <a:endParaRPr lang="en-US"/>
           </a:p>
         </p:txBody>
       </p:sp>
@@ -1726,7 +1729,7 @@
           <a:p>
             <a:fld id="{BB8B9D5A-51CD-4068-9D3E-C15C4F5CA8E3}" type="datetimeFigureOut">
               <a:rPr lang="en-US" smtClean="0"/>
-              <a:t>3/17/2025</a:t>
+              <a:t>3/18/2025</a:t>
             </a:fld>
             <a:endParaRPr lang="en-US"/>
           </a:p>
@@ -1768,7 +1771,7 @@
           <a:p>
             <a:fld id="{516F1398-8C6A-4772-A1E8-0D05CDA7C0EE}" type="slidenum">
               <a:rPr lang="en-US" smtClean="0"/>
-              <a:t>‹#›</a:t>
+              <a:t>‹Nº›</a:t>
             </a:fld>
             <a:endParaRPr lang="en-US"/>
           </a:p>
@@ -1821,7 +1824,7 @@
           <a:p>
             <a:fld id="{BB8B9D5A-51CD-4068-9D3E-C15C4F5CA8E3}" type="datetimeFigureOut">
               <a:rPr lang="en-US" smtClean="0"/>
-              <a:t>3/17/2025</a:t>
+              <a:t>3/18/2025</a:t>
             </a:fld>
             <a:endParaRPr lang="en-US"/>
           </a:p>
@@ -1863,7 +1866,7 @@
           <a:p>
             <a:fld id="{516F1398-8C6A-4772-A1E8-0D05CDA7C0EE}" type="slidenum">
               <a:rPr lang="en-US" smtClean="0"/>
-              <a:t>‹#›</a:t>
+              <a:t>‹Nº›</a:t>
             </a:fld>
             <a:endParaRPr lang="en-US"/>
           </a:p>
@@ -1924,10 +1927,9 @@
           </a:lstStyle>
           <a:p>
             <a:r>
-              <a:rPr lang="en-US" smtClean="0"/>
+              <a:rPr lang="en-US"/>
               <a:t>Click to edit Master title style</a:t>
             </a:r>
-            <a:endParaRPr lang="en-US"/>
           </a:p>
         </p:txBody>
       </p:sp>
@@ -1981,38 +1983,37 @@
           <a:p>
             <a:pPr lvl="0"/>
             <a:r>
-              <a:rPr lang="en-US" smtClean="0"/>
+              <a:rPr lang="en-US"/>
               <a:t>Edit Master text styles</a:t>
             </a:r>
           </a:p>
           <a:p>
             <a:pPr lvl="1"/>
             <a:r>
-              <a:rPr lang="en-US" smtClean="0"/>
+              <a:rPr lang="en-US"/>
               <a:t>Second level</a:t>
             </a:r>
           </a:p>
           <a:p>
             <a:pPr lvl="2"/>
             <a:r>
-              <a:rPr lang="en-US" smtClean="0"/>
+              <a:rPr lang="en-US"/>
               <a:t>Third level</a:t>
             </a:r>
           </a:p>
           <a:p>
             <a:pPr lvl="3"/>
             <a:r>
-              <a:rPr lang="en-US" smtClean="0"/>
+              <a:rPr lang="en-US"/>
               <a:t>Fourth level</a:t>
             </a:r>
           </a:p>
           <a:p>
             <a:pPr lvl="4"/>
             <a:r>
-              <a:rPr lang="en-US" smtClean="0"/>
+              <a:rPr lang="en-US"/>
               <a:t>Fifth level</a:t>
             </a:r>
-            <a:endParaRPr lang="en-US"/>
           </a:p>
         </p:txBody>
       </p:sp>
@@ -2075,7 +2076,7 @@
           <a:p>
             <a:pPr lvl="0"/>
             <a:r>
-              <a:rPr lang="en-US" smtClean="0"/>
+              <a:rPr lang="en-US"/>
               <a:t>Edit Master text styles</a:t>
             </a:r>
           </a:p>
@@ -2098,7 +2099,7 @@
           <a:p>
             <a:fld id="{BB8B9D5A-51CD-4068-9D3E-C15C4F5CA8E3}" type="datetimeFigureOut">
               <a:rPr lang="en-US" smtClean="0"/>
-              <a:t>3/17/2025</a:t>
+              <a:t>3/18/2025</a:t>
             </a:fld>
             <a:endParaRPr lang="en-US"/>
           </a:p>
@@ -2140,7 +2141,7 @@
           <a:p>
             <a:fld id="{516F1398-8C6A-4772-A1E8-0D05CDA7C0EE}" type="slidenum">
               <a:rPr lang="en-US" smtClean="0"/>
-              <a:t>‹#›</a:t>
+              <a:t>‹Nº›</a:t>
             </a:fld>
             <a:endParaRPr lang="en-US"/>
           </a:p>
@@ -2201,10 +2202,9 @@
           </a:lstStyle>
           <a:p>
             <a:r>
-              <a:rPr lang="en-US" smtClean="0"/>
+              <a:rPr lang="en-US"/>
               <a:t>Click to edit Master title style</a:t>
             </a:r>
-            <a:endParaRPr lang="en-US"/>
           </a:p>
         </p:txBody>
       </p:sp>
@@ -2328,7 +2328,7 @@
           <a:p>
             <a:pPr lvl="0"/>
             <a:r>
-              <a:rPr lang="en-US" smtClean="0"/>
+              <a:rPr lang="en-US"/>
               <a:t>Edit Master text styles</a:t>
             </a:r>
           </a:p>
@@ -2351,7 +2351,7 @@
           <a:p>
             <a:fld id="{BB8B9D5A-51CD-4068-9D3E-C15C4F5CA8E3}" type="datetimeFigureOut">
               <a:rPr lang="en-US" smtClean="0"/>
-              <a:t>3/17/2025</a:t>
+              <a:t>3/18/2025</a:t>
             </a:fld>
             <a:endParaRPr lang="en-US"/>
           </a:p>
@@ -2393,7 +2393,7 @@
           <a:p>
             <a:fld id="{516F1398-8C6A-4772-A1E8-0D05CDA7C0EE}" type="slidenum">
               <a:rPr lang="en-US" smtClean="0"/>
-              <a:t>‹#›</a:t>
+              <a:t>‹Nº›</a:t>
             </a:fld>
             <a:endParaRPr lang="en-US"/>
           </a:p>
@@ -2460,10 +2460,9 @@
           <a:lstStyle/>
           <a:p>
             <a:r>
-              <a:rPr lang="en-US" smtClean="0"/>
+              <a:rPr lang="en-US"/>
               <a:t>Click to edit Master title style</a:t>
             </a:r>
-            <a:endParaRPr lang="en-US"/>
           </a:p>
         </p:txBody>
       </p:sp>
@@ -2494,38 +2493,37 @@
           <a:p>
             <a:pPr lvl="0"/>
             <a:r>
-              <a:rPr lang="en-US" smtClean="0"/>
+              <a:rPr lang="en-US"/>
               <a:t>Edit Master text styles</a:t>
             </a:r>
           </a:p>
           <a:p>
             <a:pPr lvl="1"/>
             <a:r>
-              <a:rPr lang="en-US" smtClean="0"/>
+              <a:rPr lang="en-US"/>
               <a:t>Second level</a:t>
             </a:r>
           </a:p>
           <a:p>
             <a:pPr lvl="2"/>
             <a:r>
-              <a:rPr lang="en-US" smtClean="0"/>
+              <a:rPr lang="en-US"/>
               <a:t>Third level</a:t>
             </a:r>
           </a:p>
           <a:p>
             <a:pPr lvl="3"/>
             <a:r>
-              <a:rPr lang="en-US" smtClean="0"/>
+              <a:rPr lang="en-US"/>
               <a:t>Fourth level</a:t>
             </a:r>
           </a:p>
           <a:p>
             <a:pPr lvl="4"/>
             <a:r>
-              <a:rPr lang="en-US" smtClean="0"/>
+              <a:rPr lang="en-US"/>
               <a:t>Fifth level</a:t>
             </a:r>
-            <a:endParaRPr lang="en-US"/>
           </a:p>
         </p:txBody>
       </p:sp>
@@ -2564,7 +2562,7 @@
           <a:p>
             <a:fld id="{BB8B9D5A-51CD-4068-9D3E-C15C4F5CA8E3}" type="datetimeFigureOut">
               <a:rPr lang="en-US" smtClean="0"/>
-              <a:t>3/17/2025</a:t>
+              <a:t>3/18/2025</a:t>
             </a:fld>
             <a:endParaRPr lang="en-US"/>
           </a:p>
@@ -2642,7 +2640,7 @@
           <a:p>
             <a:fld id="{516F1398-8C6A-4772-A1E8-0D05CDA7C0EE}" type="slidenum">
               <a:rPr lang="en-US" smtClean="0"/>
-              <a:t>‹#›</a:t>
+              <a:t>‹Nº›</a:t>
             </a:fld>
             <a:endParaRPr lang="en-US"/>
           </a:p>
@@ -3046,7 +3044,7 @@
               <a:buChar char="•"/>
             </a:pPr>
             <a:r>
-              <a:rPr lang="es-ES" sz="2400" dirty="0" smtClean="0">
+              <a:rPr lang="es-ES" sz="2400" dirty="0">
                 <a:solidFill>
                   <a:srgbClr val="517E76"/>
                 </a:solidFill>
@@ -3061,7 +3059,7 @@
               <a:buChar char="•"/>
             </a:pPr>
             <a:r>
-              <a:rPr lang="es-ES" sz="2400" dirty="0" smtClean="0">
+              <a:rPr lang="es-ES" sz="2400" dirty="0">
                 <a:solidFill>
                   <a:srgbClr val="517E76"/>
                 </a:solidFill>
@@ -3076,7 +3074,7 @@
               <a:buChar char="•"/>
             </a:pPr>
             <a:r>
-              <a:rPr lang="es-ES" sz="2400" dirty="0" smtClean="0">
+              <a:rPr lang="es-ES" sz="2400" dirty="0">
                 <a:solidFill>
                   <a:srgbClr val="517E76"/>
                 </a:solidFill>
@@ -3084,18 +3082,6 @@
               </a:rPr>
               <a:t>Chiara</a:t>
             </a:r>
-          </a:p>
-          <a:p>
-            <a:pPr marL="285750" indent="-285750">
-              <a:buFont typeface="Arial" panose="020B0604020202020204" pitchFamily="34" charset="0"/>
-              <a:buChar char="•"/>
-            </a:pPr>
-            <a:endParaRPr lang="es-ES" sz="2400" dirty="0" smtClean="0">
-              <a:solidFill>
-                <a:srgbClr val="517E76"/>
-              </a:solidFill>
-              <a:latin typeface="Arial Black" panose="020B0A04020102020204" pitchFamily="34" charset="0"/>
-            </a:endParaRPr>
           </a:p>
           <a:p>
             <a:pPr marL="285750" indent="-285750">
@@ -3114,7 +3100,7 @@
               <a:buFont typeface="Arial" panose="020B0604020202020204" pitchFamily="34" charset="0"/>
               <a:buChar char="•"/>
             </a:pPr>
-            <a:endParaRPr lang="es-ES" sz="2400" dirty="0" smtClean="0">
+            <a:endParaRPr lang="es-ES" sz="2400" dirty="0">
               <a:solidFill>
                 <a:srgbClr val="517E76"/>
               </a:solidFill>
@@ -3126,15 +3112,12 @@
               <a:buFont typeface="Arial" panose="020B0604020202020204" pitchFamily="34" charset="0"/>
               <a:buChar char="•"/>
             </a:pPr>
-            <a:r>
-              <a:rPr lang="es-ES" sz="2400" dirty="0" smtClean="0">
-                <a:solidFill>
-                  <a:srgbClr val="517E76"/>
-                </a:solidFill>
-                <a:latin typeface="Arial Black" panose="020B0A04020102020204" pitchFamily="34" charset="0"/>
-              </a:rPr>
-              <a:t>Eva</a:t>
-            </a:r>
+            <a:endParaRPr lang="es-ES" sz="2400" dirty="0">
+              <a:solidFill>
+                <a:srgbClr val="517E76"/>
+              </a:solidFill>
+              <a:latin typeface="Arial Black" panose="020B0A04020102020204" pitchFamily="34" charset="0"/>
+            </a:endParaRPr>
           </a:p>
           <a:p>
             <a:pPr marL="285750" indent="-285750">
@@ -3142,13 +3125,13 @@
               <a:buChar char="•"/>
             </a:pPr>
             <a:r>
-              <a:rPr lang="es-ES" sz="2400" dirty="0" smtClean="0">
+              <a:rPr lang="es-ES" sz="2400" dirty="0">
                 <a:solidFill>
                   <a:srgbClr val="517E76"/>
                 </a:solidFill>
                 <a:latin typeface="Arial Black" panose="020B0A04020102020204" pitchFamily="34" charset="0"/>
               </a:rPr>
-              <a:t>Mariano</a:t>
+              <a:t>Eva</a:t>
             </a:r>
           </a:p>
           <a:p>
@@ -3157,7 +3140,22 @@
               <a:buChar char="•"/>
             </a:pPr>
             <a:r>
-              <a:rPr lang="es-ES" sz="2400" dirty="0" smtClean="0">
+              <a:rPr lang="es-ES" sz="2400" dirty="0">
+                <a:solidFill>
+                  <a:srgbClr val="517E76"/>
+                </a:solidFill>
+                <a:latin typeface="Arial Black" panose="020B0A04020102020204" pitchFamily="34" charset="0"/>
+              </a:rPr>
+              <a:t>Mariano</a:t>
+            </a:r>
+          </a:p>
+          <a:p>
+            <a:pPr marL="285750" indent="-285750">
+              <a:buFont typeface="Arial" panose="020B0604020202020204" pitchFamily="34" charset="0"/>
+              <a:buChar char="•"/>
+            </a:pPr>
+            <a:r>
+              <a:rPr lang="es-ES" sz="2400" dirty="0">
                 <a:solidFill>
                   <a:srgbClr val="517E76"/>
                 </a:solidFill>
@@ -3197,7 +3195,7 @@
           <a:lstStyle/>
           <a:p>
             <a:r>
-              <a:rPr lang="es-ES" sz="4800" dirty="0" smtClean="0">
+              <a:rPr lang="es-ES" sz="4800" dirty="0">
                 <a:solidFill>
                   <a:srgbClr val="1D3038"/>
                 </a:solidFill>
@@ -3268,6 +3266,820 @@
 </p:sld>
 </file>
 
+<file path=ppt/slides/slide10.xml><?xml version="1.0" encoding="utf-8"?>
+<p:sld xmlns:a="http://schemas.openxmlformats.org/drawingml/2006/main" xmlns:r="http://schemas.openxmlformats.org/officeDocument/2006/relationships" xmlns:p="http://schemas.openxmlformats.org/presentationml/2006/main">
+  <p:cSld>
+    <p:spTree>
+      <p:nvGrpSpPr>
+        <p:cNvPr id="1" name="">
+          <a:extLst>
+            <a:ext uri="{FF2B5EF4-FFF2-40B4-BE49-F238E27FC236}">
+              <a16:creationId xmlns:a16="http://schemas.microsoft.com/office/drawing/2014/main" id="{F220E518-96F2-15A4-D123-A1ABC905CE48}"/>
+            </a:ext>
+          </a:extLst>
+        </p:cNvPr>
+        <p:cNvGrpSpPr/>
+        <p:nvPr/>
+      </p:nvGrpSpPr>
+      <p:grpSpPr>
+        <a:xfrm>
+          <a:off x="0" y="0"/>
+          <a:ext cx="0" cy="0"/>
+          <a:chOff x="0" y="0"/>
+          <a:chExt cx="0" cy="0"/>
+        </a:xfrm>
+      </p:grpSpPr>
+      <p:grpSp>
+        <p:nvGrpSpPr>
+          <p:cNvPr id="11" name="Group 10">
+            <a:extLst>
+              <a:ext uri="{FF2B5EF4-FFF2-40B4-BE49-F238E27FC236}">
+                <a16:creationId xmlns:a16="http://schemas.microsoft.com/office/drawing/2014/main" id="{36AC4C0F-2D74-F7C2-4296-071FB2BC1EB2}"/>
+              </a:ext>
+            </a:extLst>
+          </p:cNvPr>
+          <p:cNvGrpSpPr/>
+          <p:nvPr/>
+        </p:nvGrpSpPr>
+        <p:grpSpPr>
+          <a:xfrm>
+            <a:off x="0" y="0"/>
+            <a:ext cx="12192000" cy="1089891"/>
+            <a:chOff x="0" y="0"/>
+            <a:chExt cx="12192000" cy="1089891"/>
+          </a:xfrm>
+        </p:grpSpPr>
+        <p:sp>
+          <p:nvSpPr>
+            <p:cNvPr id="12" name="Rectangle 11">
+              <a:extLst>
+                <a:ext uri="{FF2B5EF4-FFF2-40B4-BE49-F238E27FC236}">
+                  <a16:creationId xmlns:a16="http://schemas.microsoft.com/office/drawing/2014/main" id="{EFE76DAF-7755-3648-02B1-90E7217DE988}"/>
+                </a:ext>
+              </a:extLst>
+            </p:cNvPr>
+            <p:cNvSpPr/>
+            <p:nvPr/>
+          </p:nvSpPr>
+          <p:spPr>
+            <a:xfrm>
+              <a:off x="0" y="0"/>
+              <a:ext cx="12192000" cy="1089891"/>
+            </a:xfrm>
+            <a:prstGeom prst="rect">
+              <a:avLst/>
+            </a:prstGeom>
+            <a:solidFill>
+              <a:srgbClr val="84C6B8"/>
+            </a:solidFill>
+            <a:ln>
+              <a:noFill/>
+            </a:ln>
+          </p:spPr>
+          <p:style>
+            <a:lnRef idx="2">
+              <a:schemeClr val="accent1">
+                <a:shade val="50000"/>
+              </a:schemeClr>
+            </a:lnRef>
+            <a:fillRef idx="1">
+              <a:schemeClr val="accent1"/>
+            </a:fillRef>
+            <a:effectRef idx="0">
+              <a:schemeClr val="accent1"/>
+            </a:effectRef>
+            <a:fontRef idx="minor">
+              <a:schemeClr val="lt1"/>
+            </a:fontRef>
+          </p:style>
+          <p:txBody>
+            <a:bodyPr rtlCol="0" anchor="ctr"/>
+            <a:lstStyle/>
+            <a:p>
+              <a:pPr algn="ctr"/>
+              <a:endParaRPr lang="en-US" dirty="0"/>
+            </a:p>
+          </p:txBody>
+        </p:sp>
+        <p:pic>
+          <p:nvPicPr>
+            <p:cNvPr id="13" name="Picture 12">
+              <a:extLst>
+                <a:ext uri="{FF2B5EF4-FFF2-40B4-BE49-F238E27FC236}">
+                  <a16:creationId xmlns:a16="http://schemas.microsoft.com/office/drawing/2014/main" id="{307A5CE4-F49E-AE70-E4DF-EF3243D4BAB5}"/>
+                </a:ext>
+              </a:extLst>
+            </p:cNvPr>
+            <p:cNvPicPr>
+              <a:picLocks noChangeAspect="1"/>
+            </p:cNvPicPr>
+            <p:nvPr/>
+          </p:nvPicPr>
+          <p:blipFill>
+            <a:blip r:embed="rId2"/>
+            <a:stretch>
+              <a:fillRect/>
+            </a:stretch>
+          </p:blipFill>
+          <p:spPr>
+            <a:xfrm>
+              <a:off x="10834254" y="94913"/>
+              <a:ext cx="908386" cy="908386"/>
+            </a:xfrm>
+            <a:prstGeom prst="roundRect">
+              <a:avLst>
+                <a:gd name="adj" fmla="val 16667"/>
+              </a:avLst>
+            </a:prstGeom>
+            <a:ln>
+              <a:noFill/>
+            </a:ln>
+            <a:effectLst>
+              <a:outerShdw blurRad="76200" dist="38100" dir="7800000" algn="tl" rotWithShape="0">
+                <a:srgbClr val="000000">
+                  <a:alpha val="40000"/>
+                </a:srgbClr>
+              </a:outerShdw>
+            </a:effectLst>
+            <a:scene3d>
+              <a:camera prst="orthographicFront"/>
+              <a:lightRig rig="contrasting" dir="t">
+                <a:rot lat="0" lon="0" rev="4200000"/>
+              </a:lightRig>
+            </a:scene3d>
+            <a:sp3d prstMaterial="plastic">
+              <a:bevelT w="381000" h="114300" prst="relaxedInset"/>
+              <a:contourClr>
+                <a:srgbClr val="969696"/>
+              </a:contourClr>
+            </a:sp3d>
+          </p:spPr>
+        </p:pic>
+        <p:sp>
+          <p:nvSpPr>
+            <p:cNvPr id="14" name="TextBox 13">
+              <a:extLst>
+                <a:ext uri="{FF2B5EF4-FFF2-40B4-BE49-F238E27FC236}">
+                  <a16:creationId xmlns:a16="http://schemas.microsoft.com/office/drawing/2014/main" id="{EB99BE78-4AB1-689A-3F53-D3E890641102}"/>
+                </a:ext>
+              </a:extLst>
+            </p:cNvPr>
+            <p:cNvSpPr txBox="1"/>
+            <p:nvPr/>
+          </p:nvSpPr>
+          <p:spPr>
+            <a:xfrm>
+              <a:off x="647059" y="160224"/>
+              <a:ext cx="6301853" cy="769441"/>
+            </a:xfrm>
+            <a:prstGeom prst="rect">
+              <a:avLst/>
+            </a:prstGeom>
+            <a:noFill/>
+          </p:spPr>
+          <p:txBody>
+            <a:bodyPr wrap="none" lIns="91440" tIns="45720" rIns="91440" bIns="45720" rtlCol="0" anchor="t">
+              <a:spAutoFit/>
+            </a:bodyPr>
+            <a:lstStyle/>
+            <a:p>
+              <a:r>
+                <a:rPr lang="es-ES" sz="4400" dirty="0">
+                  <a:solidFill>
+                    <a:schemeClr val="bg1"/>
+                  </a:solidFill>
+                </a:rPr>
+                <a:t>Ajuste de hiperparámetros</a:t>
+              </a:r>
+              <a:endParaRPr lang="en-US" sz="4400" dirty="0">
+                <a:solidFill>
+                  <a:schemeClr val="bg1"/>
+                </a:solidFill>
+              </a:endParaRPr>
+            </a:p>
+          </p:txBody>
+        </p:sp>
+      </p:grpSp>
+      <p:sp>
+        <p:nvSpPr>
+          <p:cNvPr id="3" name="CuadroTexto 2">
+            <a:extLst>
+              <a:ext uri="{FF2B5EF4-FFF2-40B4-BE49-F238E27FC236}">
+                <a16:creationId xmlns:a16="http://schemas.microsoft.com/office/drawing/2014/main" id="{9EE87CC4-8034-A910-99AA-D37E1004C047}"/>
+              </a:ext>
+            </a:extLst>
+          </p:cNvPr>
+          <p:cNvSpPr txBox="1"/>
+          <p:nvPr/>
+        </p:nvSpPr>
+        <p:spPr>
+          <a:xfrm>
+            <a:off x="279400" y="1182511"/>
+            <a:ext cx="11181645" cy="369332"/>
+          </a:xfrm>
+          <a:prstGeom prst="rect">
+            <a:avLst/>
+          </a:prstGeom>
+          <a:noFill/>
+        </p:spPr>
+        <p:txBody>
+          <a:bodyPr rot="0" spcFirstLastPara="0" vertOverflow="overflow" horzOverflow="overflow" vert="horz" wrap="square" lIns="91440" tIns="45720" rIns="91440" bIns="45720" numCol="1" spcCol="0" rtlCol="0" fromWordArt="0" anchor="t" anchorCtr="0" forceAA="0" compatLnSpc="1">
+            <a:prstTxWarp prst="textNoShape">
+              <a:avLst/>
+            </a:prstTxWarp>
+            <a:spAutoFit/>
+          </a:bodyPr>
+          <a:lstStyle/>
+          <a:p>
+            <a:r>
+              <a:rPr lang="es-ES" dirty="0">
+                <a:solidFill>
+                  <a:srgbClr val="517E76"/>
+                </a:solidFill>
+              </a:rPr>
+              <a:t>Se ha aplicado </a:t>
+            </a:r>
+            <a:r>
+              <a:rPr lang="es-ES" dirty="0" err="1">
+                <a:solidFill>
+                  <a:srgbClr val="517E76"/>
+                </a:solidFill>
+              </a:rPr>
+              <a:t>GridSearchCV</a:t>
+            </a:r>
+            <a:r>
+              <a:rPr lang="es-ES" dirty="0">
+                <a:solidFill>
+                  <a:srgbClr val="517E76"/>
+                </a:solidFill>
+              </a:rPr>
+              <a:t> :  el mejor modelo ha resultado ser el XGB con los siguientes parámetros:</a:t>
+            </a:r>
+            <a:endParaRPr lang="es-ES" dirty="0" err="1">
+              <a:solidFill>
+                <a:srgbClr val="517E76"/>
+              </a:solidFill>
+              <a:ea typeface="Calibri"/>
+              <a:cs typeface="Calibri"/>
+            </a:endParaRPr>
+          </a:p>
+        </p:txBody>
+      </p:sp>
+      <p:pic>
+        <p:nvPicPr>
+          <p:cNvPr id="2" name="Imagen 1">
+            <a:extLst>
+              <a:ext uri="{FF2B5EF4-FFF2-40B4-BE49-F238E27FC236}">
+                <a16:creationId xmlns:a16="http://schemas.microsoft.com/office/drawing/2014/main" id="{5DA63DAC-8AEC-C6DC-003C-36CAC2EBAD2C}"/>
+              </a:ext>
+            </a:extLst>
+          </p:cNvPr>
+          <p:cNvPicPr>
+            <a:picLocks noChangeAspect="1"/>
+          </p:cNvPicPr>
+          <p:nvPr/>
+        </p:nvPicPr>
+        <p:blipFill>
+          <a:blip r:embed="rId3"/>
+          <a:stretch>
+            <a:fillRect/>
+          </a:stretch>
+        </p:blipFill>
+        <p:spPr>
+          <a:xfrm>
+            <a:off x="6697" y="1614530"/>
+            <a:ext cx="2538588" cy="1342671"/>
+          </a:xfrm>
+          <a:prstGeom prst="rect">
+            <a:avLst/>
+          </a:prstGeom>
+        </p:spPr>
+      </p:pic>
+      <p:pic>
+        <p:nvPicPr>
+          <p:cNvPr id="6" name="Imagen 5" descr="Interfaz de usuario gráfica, Sitio web&#10;&#10;El contenido generado por inteligencia artificial puede ser incorrecto.">
+            <a:extLst>
+              <a:ext uri="{FF2B5EF4-FFF2-40B4-BE49-F238E27FC236}">
+                <a16:creationId xmlns:a16="http://schemas.microsoft.com/office/drawing/2014/main" id="{281BA477-9169-6A68-D694-C9906442B596}"/>
+              </a:ext>
+            </a:extLst>
+          </p:cNvPr>
+          <p:cNvPicPr>
+            <a:picLocks noChangeAspect="1"/>
+          </p:cNvPicPr>
+          <p:nvPr/>
+        </p:nvPicPr>
+        <p:blipFill>
+          <a:blip r:embed="rId4"/>
+          <a:stretch>
+            <a:fillRect/>
+          </a:stretch>
+        </p:blipFill>
+        <p:spPr>
+          <a:xfrm>
+            <a:off x="2340558" y="2623692"/>
+            <a:ext cx="7710037" cy="4226763"/>
+          </a:xfrm>
+          <a:prstGeom prst="rect">
+            <a:avLst/>
+          </a:prstGeom>
+        </p:spPr>
+      </p:pic>
+      <p:sp>
+        <p:nvSpPr>
+          <p:cNvPr id="8" name="Flecha: doblada hacia arriba 7">
+            <a:extLst>
+              <a:ext uri="{FF2B5EF4-FFF2-40B4-BE49-F238E27FC236}">
+                <a16:creationId xmlns:a16="http://schemas.microsoft.com/office/drawing/2014/main" id="{22C5ED75-9F54-CE71-A28C-BCDD22A497BC}"/>
+              </a:ext>
+            </a:extLst>
+          </p:cNvPr>
+          <p:cNvSpPr/>
+          <p:nvPr/>
+        </p:nvSpPr>
+        <p:spPr>
+          <a:xfrm rot="5400000">
+            <a:off x="935992" y="3175930"/>
+            <a:ext cx="1538110" cy="1255888"/>
+          </a:xfrm>
+          <a:prstGeom prst="bentUpArrow">
+            <a:avLst/>
+          </a:prstGeom>
+        </p:spPr>
+        <p:style>
+          <a:lnRef idx="2">
+            <a:schemeClr val="accent1">
+              <a:shade val="15000"/>
+            </a:schemeClr>
+          </a:lnRef>
+          <a:fillRef idx="1">
+            <a:schemeClr val="accent1"/>
+          </a:fillRef>
+          <a:effectRef idx="0">
+            <a:schemeClr val="accent1"/>
+          </a:effectRef>
+          <a:fontRef idx="minor">
+            <a:schemeClr val="lt1"/>
+          </a:fontRef>
+        </p:style>
+        <p:txBody>
+          <a:bodyPr rtlCol="0" anchor="ctr"/>
+          <a:lstStyle/>
+          <a:p>
+            <a:pPr algn="ctr"/>
+            <a:endParaRPr lang="es-ES"/>
+          </a:p>
+        </p:txBody>
+      </p:sp>
+      <p:pic>
+        <p:nvPicPr>
+          <p:cNvPr id="9" name="Imagen 8" descr="Texto&#10;&#10;El contenido generado por inteligencia artificial puede ser incorrecto.">
+            <a:extLst>
+              <a:ext uri="{FF2B5EF4-FFF2-40B4-BE49-F238E27FC236}">
+                <a16:creationId xmlns:a16="http://schemas.microsoft.com/office/drawing/2014/main" id="{26DADA84-9880-87FD-AF1C-7AF466919960}"/>
+              </a:ext>
+            </a:extLst>
+          </p:cNvPr>
+          <p:cNvPicPr>
+            <a:picLocks noChangeAspect="1"/>
+          </p:cNvPicPr>
+          <p:nvPr/>
+        </p:nvPicPr>
+        <p:blipFill>
+          <a:blip r:embed="rId5"/>
+          <a:stretch>
+            <a:fillRect/>
+          </a:stretch>
+        </p:blipFill>
+        <p:spPr>
+          <a:xfrm>
+            <a:off x="7573081" y="1548694"/>
+            <a:ext cx="4496505" cy="1488722"/>
+          </a:xfrm>
+          <a:prstGeom prst="rect">
+            <a:avLst/>
+          </a:prstGeom>
+        </p:spPr>
+      </p:pic>
+    </p:spTree>
+    <p:extLst>
+      <p:ext uri="{BB962C8B-B14F-4D97-AF65-F5344CB8AC3E}">
+        <p14:creationId xmlns:p14="http://schemas.microsoft.com/office/powerpoint/2010/main" val="4193519251"/>
+      </p:ext>
+    </p:extLst>
+  </p:cSld>
+  <p:clrMapOvr>
+    <a:masterClrMapping/>
+  </p:clrMapOvr>
+</p:sld>
+</file>
+
+<file path=ppt/slides/slide11.xml><?xml version="1.0" encoding="utf-8"?>
+<p:sld xmlns:a="http://schemas.openxmlformats.org/drawingml/2006/main" xmlns:r="http://schemas.openxmlformats.org/officeDocument/2006/relationships" xmlns:p="http://schemas.openxmlformats.org/presentationml/2006/main">
+  <p:cSld>
+    <p:spTree>
+      <p:nvGrpSpPr>
+        <p:cNvPr id="1" name="">
+          <a:extLst>
+            <a:ext uri="{FF2B5EF4-FFF2-40B4-BE49-F238E27FC236}">
+              <a16:creationId xmlns:a16="http://schemas.microsoft.com/office/drawing/2014/main" id="{9D9B4608-93E8-D0D8-9758-0B01DDF289D0}"/>
+            </a:ext>
+          </a:extLst>
+        </p:cNvPr>
+        <p:cNvGrpSpPr/>
+        <p:nvPr/>
+      </p:nvGrpSpPr>
+      <p:grpSpPr>
+        <a:xfrm>
+          <a:off x="0" y="0"/>
+          <a:ext cx="0" cy="0"/>
+          <a:chOff x="0" y="0"/>
+          <a:chExt cx="0" cy="0"/>
+        </a:xfrm>
+      </p:grpSpPr>
+      <p:grpSp>
+        <p:nvGrpSpPr>
+          <p:cNvPr id="11" name="Group 10">
+            <a:extLst>
+              <a:ext uri="{FF2B5EF4-FFF2-40B4-BE49-F238E27FC236}">
+                <a16:creationId xmlns:a16="http://schemas.microsoft.com/office/drawing/2014/main" id="{E9481A9D-AE65-8184-14D2-C84DF9FAE2BF}"/>
+              </a:ext>
+            </a:extLst>
+          </p:cNvPr>
+          <p:cNvGrpSpPr/>
+          <p:nvPr/>
+        </p:nvGrpSpPr>
+        <p:grpSpPr>
+          <a:xfrm>
+            <a:off x="0" y="0"/>
+            <a:ext cx="12192000" cy="1089891"/>
+            <a:chOff x="0" y="0"/>
+            <a:chExt cx="12192000" cy="1089891"/>
+          </a:xfrm>
+        </p:grpSpPr>
+        <p:sp>
+          <p:nvSpPr>
+            <p:cNvPr id="12" name="Rectangle 11">
+              <a:extLst>
+                <a:ext uri="{FF2B5EF4-FFF2-40B4-BE49-F238E27FC236}">
+                  <a16:creationId xmlns:a16="http://schemas.microsoft.com/office/drawing/2014/main" id="{BB0D9C82-4DA0-6F3F-57CE-037C3A49745E}"/>
+                </a:ext>
+              </a:extLst>
+            </p:cNvPr>
+            <p:cNvSpPr/>
+            <p:nvPr/>
+          </p:nvSpPr>
+          <p:spPr>
+            <a:xfrm>
+              <a:off x="0" y="0"/>
+              <a:ext cx="12192000" cy="1089891"/>
+            </a:xfrm>
+            <a:prstGeom prst="rect">
+              <a:avLst/>
+            </a:prstGeom>
+            <a:solidFill>
+              <a:srgbClr val="84C6B8"/>
+            </a:solidFill>
+            <a:ln>
+              <a:noFill/>
+            </a:ln>
+          </p:spPr>
+          <p:style>
+            <a:lnRef idx="2">
+              <a:schemeClr val="accent1">
+                <a:shade val="50000"/>
+              </a:schemeClr>
+            </a:lnRef>
+            <a:fillRef idx="1">
+              <a:schemeClr val="accent1"/>
+            </a:fillRef>
+            <a:effectRef idx="0">
+              <a:schemeClr val="accent1"/>
+            </a:effectRef>
+            <a:fontRef idx="minor">
+              <a:schemeClr val="lt1"/>
+            </a:fontRef>
+          </p:style>
+          <p:txBody>
+            <a:bodyPr rtlCol="0" anchor="ctr"/>
+            <a:lstStyle/>
+            <a:p>
+              <a:pPr algn="ctr"/>
+              <a:endParaRPr lang="en-US" dirty="0"/>
+            </a:p>
+          </p:txBody>
+        </p:sp>
+        <p:pic>
+          <p:nvPicPr>
+            <p:cNvPr id="13" name="Picture 12">
+              <a:extLst>
+                <a:ext uri="{FF2B5EF4-FFF2-40B4-BE49-F238E27FC236}">
+                  <a16:creationId xmlns:a16="http://schemas.microsoft.com/office/drawing/2014/main" id="{CA12CC7D-205D-05C6-C1DC-379FDAE07F10}"/>
+                </a:ext>
+              </a:extLst>
+            </p:cNvPr>
+            <p:cNvPicPr>
+              <a:picLocks noChangeAspect="1"/>
+            </p:cNvPicPr>
+            <p:nvPr/>
+          </p:nvPicPr>
+          <p:blipFill>
+            <a:blip r:embed="rId2"/>
+            <a:stretch>
+              <a:fillRect/>
+            </a:stretch>
+          </p:blipFill>
+          <p:spPr>
+            <a:xfrm>
+              <a:off x="10834254" y="94913"/>
+              <a:ext cx="908386" cy="908386"/>
+            </a:xfrm>
+            <a:prstGeom prst="roundRect">
+              <a:avLst>
+                <a:gd name="adj" fmla="val 16667"/>
+              </a:avLst>
+            </a:prstGeom>
+            <a:ln>
+              <a:noFill/>
+            </a:ln>
+            <a:effectLst>
+              <a:outerShdw blurRad="76200" dist="38100" dir="7800000" algn="tl" rotWithShape="0">
+                <a:srgbClr val="000000">
+                  <a:alpha val="40000"/>
+                </a:srgbClr>
+              </a:outerShdw>
+            </a:effectLst>
+            <a:scene3d>
+              <a:camera prst="orthographicFront"/>
+              <a:lightRig rig="contrasting" dir="t">
+                <a:rot lat="0" lon="0" rev="4200000"/>
+              </a:lightRig>
+            </a:scene3d>
+            <a:sp3d prstMaterial="plastic">
+              <a:bevelT w="381000" h="114300" prst="relaxedInset"/>
+              <a:contourClr>
+                <a:srgbClr val="969696"/>
+              </a:contourClr>
+            </a:sp3d>
+          </p:spPr>
+        </p:pic>
+        <p:sp>
+          <p:nvSpPr>
+            <p:cNvPr id="14" name="TextBox 13">
+              <a:extLst>
+                <a:ext uri="{FF2B5EF4-FFF2-40B4-BE49-F238E27FC236}">
+                  <a16:creationId xmlns:a16="http://schemas.microsoft.com/office/drawing/2014/main" id="{D42868C3-3B75-6129-C1BF-EA7FA537C0C8}"/>
+                </a:ext>
+              </a:extLst>
+            </p:cNvPr>
+            <p:cNvSpPr txBox="1"/>
+            <p:nvPr/>
+          </p:nvSpPr>
+          <p:spPr>
+            <a:xfrm>
+              <a:off x="647059" y="160224"/>
+              <a:ext cx="1094787" cy="769441"/>
+            </a:xfrm>
+            <a:prstGeom prst="rect">
+              <a:avLst/>
+            </a:prstGeom>
+            <a:noFill/>
+          </p:spPr>
+          <p:txBody>
+            <a:bodyPr wrap="none" lIns="91440" tIns="45720" rIns="91440" bIns="45720" rtlCol="0" anchor="t">
+              <a:spAutoFit/>
+            </a:bodyPr>
+            <a:lstStyle/>
+            <a:p>
+              <a:r>
+                <a:rPr lang="es-ES" sz="4400" dirty="0">
+                  <a:solidFill>
+                    <a:schemeClr val="bg1"/>
+                  </a:solidFill>
+                </a:rPr>
+                <a:t>Test</a:t>
+              </a:r>
+              <a:endParaRPr lang="es-ES" sz="4400" dirty="0">
+                <a:solidFill>
+                  <a:schemeClr val="bg1"/>
+                </a:solidFill>
+                <a:ea typeface="Calibri"/>
+                <a:cs typeface="Calibri"/>
+              </a:endParaRPr>
+            </a:p>
+          </p:txBody>
+        </p:sp>
+      </p:grpSp>
+      <p:pic>
+        <p:nvPicPr>
+          <p:cNvPr id="4" name="Immagine 3" descr="Immagine che contiene testo, schermata, software, Carattere&#10;&#10;Il contenuto generato dall&amp;#39;intelligenza artificiale potrebbe non essere corretto.">
+            <a:extLst>
+              <a:ext uri="{FF2B5EF4-FFF2-40B4-BE49-F238E27FC236}">
+                <a16:creationId xmlns:a16="http://schemas.microsoft.com/office/drawing/2014/main" id="{30648FD8-28D8-1A28-D736-C08E4B5A52DA}"/>
+              </a:ext>
+            </a:extLst>
+          </p:cNvPr>
+          <p:cNvPicPr>
+            <a:picLocks noChangeAspect="1"/>
+          </p:cNvPicPr>
+          <p:nvPr/>
+        </p:nvPicPr>
+        <p:blipFill>
+          <a:blip r:embed="rId3"/>
+          <a:stretch>
+            <a:fillRect/>
+          </a:stretch>
+        </p:blipFill>
+        <p:spPr>
+          <a:xfrm>
+            <a:off x="545394" y="1303161"/>
+            <a:ext cx="6303433" cy="5324122"/>
+          </a:xfrm>
+          <a:prstGeom prst="rect">
+            <a:avLst/>
+          </a:prstGeom>
+        </p:spPr>
+      </p:pic>
+      <p:pic>
+        <p:nvPicPr>
+          <p:cNvPr id="5" name="Immagine 4" descr="Immagine che contiene testo, schermata, Carattere&#10;&#10;Il contenuto generato dall&amp;#39;intelligenza artificiale potrebbe non essere corretto.">
+            <a:extLst>
+              <a:ext uri="{FF2B5EF4-FFF2-40B4-BE49-F238E27FC236}">
+                <a16:creationId xmlns:a16="http://schemas.microsoft.com/office/drawing/2014/main" id="{54887867-0D13-B4A9-0896-8583AA2FC262}"/>
+              </a:ext>
+            </a:extLst>
+          </p:cNvPr>
+          <p:cNvPicPr>
+            <a:picLocks noChangeAspect="1"/>
+          </p:cNvPicPr>
+          <p:nvPr/>
+        </p:nvPicPr>
+        <p:blipFill>
+          <a:blip r:embed="rId4"/>
+          <a:stretch>
+            <a:fillRect/>
+          </a:stretch>
+        </p:blipFill>
+        <p:spPr>
+          <a:xfrm>
+            <a:off x="8417454" y="2312634"/>
+            <a:ext cx="2271536" cy="4010730"/>
+          </a:xfrm>
+          <a:prstGeom prst="rect">
+            <a:avLst/>
+          </a:prstGeom>
+        </p:spPr>
+      </p:pic>
+      <p:sp>
+        <p:nvSpPr>
+          <p:cNvPr id="10" name="CasellaDiTesto 9">
+            <a:extLst>
+              <a:ext uri="{FF2B5EF4-FFF2-40B4-BE49-F238E27FC236}">
+                <a16:creationId xmlns:a16="http://schemas.microsoft.com/office/drawing/2014/main" id="{FCB54D34-A54A-3B09-BB64-91714FF166BC}"/>
+              </a:ext>
+            </a:extLst>
+          </p:cNvPr>
+          <p:cNvSpPr txBox="1"/>
+          <p:nvPr/>
+        </p:nvSpPr>
+        <p:spPr>
+          <a:xfrm>
+            <a:off x="8124485" y="1396839"/>
+            <a:ext cx="2788249" cy="923330"/>
+          </a:xfrm>
+          <a:prstGeom prst="rect">
+            <a:avLst/>
+          </a:prstGeom>
+        </p:spPr>
+        <p:style>
+          <a:lnRef idx="1">
+            <a:schemeClr val="accent1"/>
+          </a:lnRef>
+          <a:fillRef idx="3">
+            <a:schemeClr val="accent1"/>
+          </a:fillRef>
+          <a:effectRef idx="2">
+            <a:schemeClr val="accent1"/>
+          </a:effectRef>
+          <a:fontRef idx="minor">
+            <a:schemeClr val="lt1"/>
+          </a:fontRef>
+        </p:style>
+        <p:txBody>
+          <a:bodyPr rot="0" spcFirstLastPara="0" vertOverflow="overflow" horzOverflow="overflow" vert="horz" wrap="square" lIns="91440" tIns="45720" rIns="91440" bIns="45720" numCol="1" spcCol="0" rtlCol="0" fromWordArt="0" anchor="t" anchorCtr="0" forceAA="0" compatLnSpc="1">
+            <a:prstTxWarp prst="textNoShape">
+              <a:avLst/>
+            </a:prstTxWarp>
+            <a:spAutoFit/>
+          </a:bodyPr>
+          <a:lstStyle/>
+          <a:p>
+            <a:pPr algn="ctr"/>
+            <a:r>
+              <a:rPr lang="it-IT" err="1">
+                <a:ea typeface="Calibri"/>
+                <a:cs typeface="Calibri"/>
+              </a:rPr>
+              <a:t>Valores</a:t>
+            </a:r>
+            <a:r>
+              <a:rPr lang="it-IT" dirty="0">
+                <a:ea typeface="Calibri"/>
+                <a:cs typeface="Calibri"/>
+              </a:rPr>
+              <a:t> </a:t>
+            </a:r>
+            <a:r>
+              <a:rPr lang="it-IT" err="1">
+                <a:ea typeface="Calibri"/>
+                <a:cs typeface="Calibri"/>
+              </a:rPr>
+              <a:t>reales</a:t>
+            </a:r>
+            <a:r>
+              <a:rPr lang="it-IT" dirty="0">
+                <a:ea typeface="Calibri"/>
+                <a:cs typeface="Calibri"/>
+              </a:rPr>
+              <a:t> </a:t>
+            </a:r>
+            <a:r>
+              <a:rPr lang="it-IT" err="1">
+                <a:ea typeface="Calibri"/>
+                <a:cs typeface="Calibri"/>
+              </a:rPr>
+              <a:t>y_test</a:t>
+            </a:r>
+            <a:r>
+              <a:rPr lang="it-IT" dirty="0">
+                <a:ea typeface="Calibri"/>
+                <a:cs typeface="Calibri"/>
+              </a:rPr>
+              <a:t> </a:t>
+            </a:r>
+            <a:endParaRPr lang="it-IT"/>
+          </a:p>
+          <a:p>
+            <a:pPr algn="ctr"/>
+            <a:r>
+              <a:rPr lang="it-IT" dirty="0">
+                <a:ea typeface="Calibri"/>
+                <a:cs typeface="Calibri"/>
+              </a:rPr>
+              <a:t>VS</a:t>
+            </a:r>
+            <a:endParaRPr lang="it-IT" dirty="0"/>
+          </a:p>
+          <a:p>
+            <a:pPr algn="ctr"/>
+            <a:r>
+              <a:rPr lang="it-IT" dirty="0">
+                <a:ea typeface="Calibri"/>
+                <a:cs typeface="Calibri"/>
+              </a:rPr>
+              <a:t> </a:t>
+            </a:r>
+            <a:r>
+              <a:rPr lang="it-IT" dirty="0" err="1">
+                <a:ea typeface="Calibri"/>
+                <a:cs typeface="Calibri"/>
+              </a:rPr>
+              <a:t>Predicción</a:t>
+            </a:r>
+            <a:r>
+              <a:rPr lang="it-IT" dirty="0">
+                <a:ea typeface="Calibri"/>
+                <a:cs typeface="Calibri"/>
+              </a:rPr>
+              <a:t> </a:t>
+            </a:r>
+            <a:r>
+              <a:rPr lang="it-IT" dirty="0" err="1">
+                <a:ea typeface="Calibri"/>
+                <a:cs typeface="Calibri"/>
+              </a:rPr>
+              <a:t>y_pred</a:t>
+            </a:r>
+            <a:endParaRPr lang="it-IT" dirty="0">
+              <a:ea typeface="Calibri"/>
+              <a:cs typeface="Calibri"/>
+            </a:endParaRPr>
+          </a:p>
+        </p:txBody>
+      </p:sp>
+    </p:spTree>
+    <p:extLst>
+      <p:ext uri="{BB962C8B-B14F-4D97-AF65-F5344CB8AC3E}">
+        <p14:creationId xmlns:p14="http://schemas.microsoft.com/office/powerpoint/2010/main" val="968629899"/>
+      </p:ext>
+    </p:extLst>
+  </p:cSld>
+  <p:clrMapOvr>
+    <a:masterClrMapping/>
+  </p:clrMapOvr>
+</p:sld>
+</file>
+
 <file path=ppt/slides/slide2.xml><?xml version="1.0" encoding="utf-8"?>
 <p:sld xmlns:a="http://schemas.openxmlformats.org/drawingml/2006/main" xmlns:r="http://schemas.openxmlformats.org/officeDocument/2006/relationships" xmlns:p="http://schemas.openxmlformats.org/presentationml/2006/main">
   <p:cSld>
@@ -3308,7 +4120,7 @@
           <a:p>
             <a:pPr algn="just"/>
             <a:r>
-              <a:rPr lang="es-ES" b="0" dirty="0" smtClean="0">
+              <a:rPr lang="es-ES" b="0" dirty="0">
                 <a:solidFill>
                   <a:srgbClr val="517E76"/>
                 </a:solidFill>
@@ -3322,7 +4134,7 @@
           </a:p>
           <a:p>
             <a:pPr algn="just"/>
-            <a:endParaRPr lang="es-ES" b="0" dirty="0" smtClean="0">
+            <a:endParaRPr lang="es-ES" b="0" dirty="0">
               <a:solidFill>
                 <a:srgbClr val="517E76"/>
               </a:solidFill>
@@ -3341,7 +4153,7 @@
           </a:p>
           <a:p>
             <a:pPr algn="just"/>
-            <a:endParaRPr lang="es-ES" b="0" dirty="0" smtClean="0">
+            <a:endParaRPr lang="es-ES" b="0" dirty="0">
               <a:solidFill>
                 <a:srgbClr val="517E76"/>
               </a:solidFill>
@@ -3360,7 +4172,7 @@
           </a:p>
           <a:p>
             <a:pPr algn="just"/>
-            <a:endParaRPr lang="es-ES" b="0" dirty="0" smtClean="0">
+            <a:endParaRPr lang="es-ES" b="0" dirty="0">
               <a:solidFill>
                 <a:srgbClr val="517E76"/>
               </a:solidFill>
@@ -3379,7 +4191,7 @@
           </a:p>
           <a:p>
             <a:pPr algn="just"/>
-            <a:endParaRPr lang="es-ES" b="0" dirty="0" smtClean="0">
+            <a:endParaRPr lang="es-ES" b="0" dirty="0">
               <a:solidFill>
                 <a:srgbClr val="517E76"/>
               </a:solidFill>
@@ -3398,7 +4210,7 @@
           </a:p>
           <a:p>
             <a:pPr algn="just"/>
-            <a:endParaRPr lang="es-ES" b="0" dirty="0" smtClean="0">
+            <a:endParaRPr lang="es-ES" b="0" dirty="0">
               <a:solidFill>
                 <a:srgbClr val="517E76"/>
               </a:solidFill>
@@ -3417,7 +4229,7 @@
           </a:p>
           <a:p>
             <a:pPr algn="just"/>
-            <a:endParaRPr lang="es-ES" b="0" dirty="0" smtClean="0">
+            <a:endParaRPr lang="es-ES" b="0" dirty="0">
               <a:solidFill>
                 <a:srgbClr val="517E76"/>
               </a:solidFill>
@@ -3436,7 +4248,7 @@
           </a:p>
           <a:p>
             <a:pPr algn="just"/>
-            <a:endParaRPr lang="es-ES" b="0" dirty="0" smtClean="0">
+            <a:endParaRPr lang="es-ES" b="0" dirty="0">
               <a:solidFill>
                 <a:srgbClr val="517E76"/>
               </a:solidFill>
@@ -3455,7 +4267,7 @@
           </a:p>
           <a:p>
             <a:pPr algn="just"/>
-            <a:endParaRPr lang="es-ES" b="0" dirty="0" smtClean="0">
+            <a:endParaRPr lang="es-ES" b="0" dirty="0">
               <a:solidFill>
                 <a:srgbClr val="517E76"/>
               </a:solidFill>
@@ -3465,7 +4277,7 @@
           </a:p>
           <a:p>
             <a:pPr algn="just"/>
-            <a:endParaRPr lang="es-ES" b="0" dirty="0" smtClean="0">
+            <a:endParaRPr lang="es-ES" b="0" dirty="0">
               <a:solidFill>
                 <a:srgbClr val="517E76"/>
               </a:solidFill>
@@ -3475,18 +4287,8 @@
           </a:p>
           <a:p>
             <a:pPr algn="ctr"/>
-            <a:r>
-              <a:rPr lang="es-ES" b="0" dirty="0" smtClean="0">
-                <a:solidFill>
-                  <a:srgbClr val="517E76"/>
-                </a:solidFill>
-                <a:effectLst/>
-                <a:latin typeface="Consolas" panose="020B0609020204030204" pitchFamily="49" charset="0"/>
-              </a:rPr>
-              <a:t/>
-            </a:r>
             <a:br>
-              <a:rPr lang="es-ES" b="0" dirty="0" smtClean="0">
+              <a:rPr lang="es-ES" b="0" dirty="0">
                 <a:solidFill>
                   <a:srgbClr val="517E76"/>
                 </a:solidFill>
@@ -3610,15 +4412,15 @@
           <a:p>
             <a:pPr algn="ctr"/>
             <a:r>
-              <a:rPr lang="es-ES" sz="3200" dirty="0" smtClean="0"/>
+              <a:rPr lang="es-ES" sz="3200" dirty="0"/>
               <a:t>“</a:t>
             </a:r>
             <a:r>
-              <a:rPr lang="es-ES" sz="3200" dirty="0" err="1" smtClean="0"/>
+              <a:rPr lang="es-ES" sz="3200" dirty="0" err="1"/>
               <a:t>fuel_comb_mpg</a:t>
             </a:r>
             <a:r>
-              <a:rPr lang="es-ES" sz="3200" dirty="0" smtClean="0"/>
+              <a:rPr lang="es-ES" sz="3200" dirty="0"/>
               <a:t>”</a:t>
             </a:r>
             <a:endParaRPr lang="en-US" sz="3200" dirty="0"/>
@@ -3756,7 +4558,7 @@
             <a:lstStyle/>
             <a:p>
               <a:r>
-                <a:rPr lang="es-ES" sz="4400" dirty="0" smtClean="0">
+                <a:rPr lang="es-ES" sz="4400" dirty="0">
                   <a:solidFill>
                     <a:schemeClr val="bg1"/>
                   </a:solidFill>
@@ -4004,7 +4806,7 @@
             <a:lstStyle/>
             <a:p>
               <a:r>
-                <a:rPr lang="es-ES" sz="4400" dirty="0" smtClean="0">
+                <a:rPr lang="es-ES" sz="4400" dirty="0">
                   <a:solidFill>
                     <a:schemeClr val="bg1"/>
                   </a:solidFill>
@@ -4181,7 +4983,7 @@
             <a:lstStyle/>
             <a:p>
               <a:r>
-                <a:rPr lang="es-ES" sz="4400" dirty="0" smtClean="0">
+                <a:rPr lang="es-ES" sz="4400" dirty="0">
                   <a:solidFill>
                     <a:schemeClr val="bg1"/>
                   </a:solidFill>
@@ -4392,7 +5194,7 @@
           <p:spPr>
             <a:xfrm>
               <a:off x="647059" y="160224"/>
-              <a:ext cx="1503938" cy="769441"/>
+              <a:ext cx="8551315" cy="769441"/>
             </a:xfrm>
             <a:prstGeom prst="rect">
               <a:avLst/>
@@ -4400,18 +5202,573 @@
             <a:noFill/>
           </p:spPr>
           <p:txBody>
-            <a:bodyPr wrap="none" rtlCol="0">
+            <a:bodyPr wrap="none" lIns="91440" tIns="45720" rIns="91440" bIns="45720" rtlCol="0" anchor="t">
               <a:spAutoFit/>
             </a:bodyPr>
             <a:lstStyle/>
             <a:p>
               <a:r>
-                <a:rPr lang="es-ES" sz="4400" dirty="0" smtClean="0">
+                <a:rPr lang="es-ES" sz="4400" dirty="0">
                   <a:solidFill>
                     <a:schemeClr val="bg1"/>
                   </a:solidFill>
                 </a:rPr>
-                <a:t>Título</a:t>
+                <a:t>Pipeline preprocesado categóricas I</a:t>
+              </a:r>
+              <a:endParaRPr lang="en-US" sz="4400" dirty="0">
+                <a:solidFill>
+                  <a:schemeClr val="bg1"/>
+                </a:solidFill>
+              </a:endParaRPr>
+            </a:p>
+          </p:txBody>
+        </p:sp>
+      </p:grpSp>
+      <p:pic>
+        <p:nvPicPr>
+          <p:cNvPr id="3" name="Imagen 2" descr="Interfaz de usuario gráfica, Texto, Aplicación&#10;&#10;El contenido generado por IA puede ser incorrecto.">
+            <a:extLst>
+              <a:ext uri="{FF2B5EF4-FFF2-40B4-BE49-F238E27FC236}">
+                <a16:creationId xmlns:a16="http://schemas.microsoft.com/office/drawing/2014/main" id="{50A70270-8D0C-A2D4-2461-E661A7728881}"/>
+              </a:ext>
+            </a:extLst>
+          </p:cNvPr>
+          <p:cNvPicPr>
+            <a:picLocks noChangeAspect="1"/>
+          </p:cNvPicPr>
+          <p:nvPr/>
+        </p:nvPicPr>
+        <p:blipFill>
+          <a:blip r:embed="rId3">
+            <a:extLst>
+              <a:ext uri="{28A0092B-C50C-407E-A947-70E740481C1C}">
+                <a14:useLocalDpi xmlns:a14="http://schemas.microsoft.com/office/drawing/2010/main" val="0"/>
+              </a:ext>
+            </a:extLst>
+          </a:blip>
+          <a:stretch>
+            <a:fillRect/>
+          </a:stretch>
+        </p:blipFill>
+        <p:spPr>
+          <a:xfrm>
+            <a:off x="647059" y="2843353"/>
+            <a:ext cx="8611802" cy="2410161"/>
+          </a:xfrm>
+          <a:prstGeom prst="rect">
+            <a:avLst/>
+          </a:prstGeom>
+        </p:spPr>
+      </p:pic>
+      <p:pic>
+        <p:nvPicPr>
+          <p:cNvPr id="5" name="Imagen 4" descr="Interfaz de usuario gráfica, Aplicación, Word&#10;&#10;El contenido generado por IA puede ser incorrecto.">
+            <a:extLst>
+              <a:ext uri="{FF2B5EF4-FFF2-40B4-BE49-F238E27FC236}">
+                <a16:creationId xmlns:a16="http://schemas.microsoft.com/office/drawing/2014/main" id="{D5742A98-BC40-C6EF-40AF-284C9A17F277}"/>
+              </a:ext>
+            </a:extLst>
+          </p:cNvPr>
+          <p:cNvPicPr>
+            <a:picLocks noChangeAspect="1"/>
+          </p:cNvPicPr>
+          <p:nvPr/>
+        </p:nvPicPr>
+        <p:blipFill>
+          <a:blip r:embed="rId4">
+            <a:extLst>
+              <a:ext uri="{28A0092B-C50C-407E-A947-70E740481C1C}">
+                <a14:useLocalDpi xmlns:a14="http://schemas.microsoft.com/office/drawing/2010/main" val="0"/>
+              </a:ext>
+            </a:extLst>
+          </a:blip>
+          <a:stretch>
+            <a:fillRect/>
+          </a:stretch>
+        </p:blipFill>
+        <p:spPr>
+          <a:xfrm>
+            <a:off x="4859921" y="5591515"/>
+            <a:ext cx="6649378" cy="1009791"/>
+          </a:xfrm>
+          <a:prstGeom prst="rect">
+            <a:avLst/>
+          </a:prstGeom>
+        </p:spPr>
+      </p:pic>
+      <p:pic>
+        <p:nvPicPr>
+          <p:cNvPr id="7" name="Imagen 6" descr="Texto&#10;&#10;El contenido generado por IA puede ser incorrecto.">
+            <a:extLst>
+              <a:ext uri="{FF2B5EF4-FFF2-40B4-BE49-F238E27FC236}">
+                <a16:creationId xmlns:a16="http://schemas.microsoft.com/office/drawing/2014/main" id="{EAC7614E-8F74-21AD-76DB-273C1197F86C}"/>
+              </a:ext>
+            </a:extLst>
+          </p:cNvPr>
+          <p:cNvPicPr>
+            <a:picLocks noChangeAspect="1"/>
+          </p:cNvPicPr>
+          <p:nvPr/>
+        </p:nvPicPr>
+        <p:blipFill>
+          <a:blip r:embed="rId5">
+            <a:extLst>
+              <a:ext uri="{28A0092B-C50C-407E-A947-70E740481C1C}">
+                <a14:useLocalDpi xmlns:a14="http://schemas.microsoft.com/office/drawing/2010/main" val="0"/>
+              </a:ext>
+            </a:extLst>
+          </a:blip>
+          <a:stretch>
+            <a:fillRect/>
+          </a:stretch>
+        </p:blipFill>
+        <p:spPr>
+          <a:xfrm>
+            <a:off x="359126" y="1266485"/>
+            <a:ext cx="4972744" cy="1190791"/>
+          </a:xfrm>
+          <a:prstGeom prst="rect">
+            <a:avLst/>
+          </a:prstGeom>
+        </p:spPr>
+      </p:pic>
+    </p:spTree>
+    <p:extLst>
+      <p:ext uri="{BB962C8B-B14F-4D97-AF65-F5344CB8AC3E}">
+        <p14:creationId xmlns:p14="http://schemas.microsoft.com/office/powerpoint/2010/main" val="3627628477"/>
+      </p:ext>
+    </p:extLst>
+  </p:cSld>
+  <p:clrMapOvr>
+    <a:masterClrMapping/>
+  </p:clrMapOvr>
+</p:sld>
+</file>
+
+<file path=ppt/slides/slide7.xml><?xml version="1.0" encoding="utf-8"?>
+<p:sld xmlns:a="http://schemas.openxmlformats.org/drawingml/2006/main" xmlns:r="http://schemas.openxmlformats.org/officeDocument/2006/relationships" xmlns:p="http://schemas.openxmlformats.org/presentationml/2006/main">
+  <p:cSld>
+    <p:spTree>
+      <p:nvGrpSpPr>
+        <p:cNvPr id="1" name="">
+          <a:extLst>
+            <a:ext uri="{FF2B5EF4-FFF2-40B4-BE49-F238E27FC236}">
+              <a16:creationId xmlns:a16="http://schemas.microsoft.com/office/drawing/2014/main" id="{776008FC-8240-B08A-0DB7-B51E27B76B53}"/>
+            </a:ext>
+          </a:extLst>
+        </p:cNvPr>
+        <p:cNvGrpSpPr/>
+        <p:nvPr/>
+      </p:nvGrpSpPr>
+      <p:grpSpPr>
+        <a:xfrm>
+          <a:off x="0" y="0"/>
+          <a:ext cx="0" cy="0"/>
+          <a:chOff x="0" y="0"/>
+          <a:chExt cx="0" cy="0"/>
+        </a:xfrm>
+      </p:grpSpPr>
+      <p:grpSp>
+        <p:nvGrpSpPr>
+          <p:cNvPr id="11" name="Group 10">
+            <a:extLst>
+              <a:ext uri="{FF2B5EF4-FFF2-40B4-BE49-F238E27FC236}">
+                <a16:creationId xmlns:a16="http://schemas.microsoft.com/office/drawing/2014/main" id="{0EA7421D-2F9E-DBCD-F140-EEBF7BE68911}"/>
+              </a:ext>
+            </a:extLst>
+          </p:cNvPr>
+          <p:cNvGrpSpPr/>
+          <p:nvPr/>
+        </p:nvGrpSpPr>
+        <p:grpSpPr>
+          <a:xfrm>
+            <a:off x="0" y="0"/>
+            <a:ext cx="12192000" cy="1089891"/>
+            <a:chOff x="0" y="0"/>
+            <a:chExt cx="12192000" cy="1089891"/>
+          </a:xfrm>
+        </p:grpSpPr>
+        <p:sp>
+          <p:nvSpPr>
+            <p:cNvPr id="12" name="Rectangle 11">
+              <a:extLst>
+                <a:ext uri="{FF2B5EF4-FFF2-40B4-BE49-F238E27FC236}">
+                  <a16:creationId xmlns:a16="http://schemas.microsoft.com/office/drawing/2014/main" id="{602004F0-A62A-D875-8D7B-6F59784B3C2B}"/>
+                </a:ext>
+              </a:extLst>
+            </p:cNvPr>
+            <p:cNvSpPr/>
+            <p:nvPr/>
+          </p:nvSpPr>
+          <p:spPr>
+            <a:xfrm>
+              <a:off x="0" y="0"/>
+              <a:ext cx="12192000" cy="1089891"/>
+            </a:xfrm>
+            <a:prstGeom prst="rect">
+              <a:avLst/>
+            </a:prstGeom>
+            <a:solidFill>
+              <a:srgbClr val="84C6B8"/>
+            </a:solidFill>
+            <a:ln>
+              <a:noFill/>
+            </a:ln>
+          </p:spPr>
+          <p:style>
+            <a:lnRef idx="2">
+              <a:schemeClr val="accent1">
+                <a:shade val="50000"/>
+              </a:schemeClr>
+            </a:lnRef>
+            <a:fillRef idx="1">
+              <a:schemeClr val="accent1"/>
+            </a:fillRef>
+            <a:effectRef idx="0">
+              <a:schemeClr val="accent1"/>
+            </a:effectRef>
+            <a:fontRef idx="minor">
+              <a:schemeClr val="lt1"/>
+            </a:fontRef>
+          </p:style>
+          <p:txBody>
+            <a:bodyPr rtlCol="0" anchor="ctr"/>
+            <a:lstStyle/>
+            <a:p>
+              <a:pPr algn="ctr"/>
+              <a:endParaRPr lang="en-US" dirty="0"/>
+            </a:p>
+          </p:txBody>
+        </p:sp>
+        <p:pic>
+          <p:nvPicPr>
+            <p:cNvPr id="13" name="Picture 12">
+              <a:extLst>
+                <a:ext uri="{FF2B5EF4-FFF2-40B4-BE49-F238E27FC236}">
+                  <a16:creationId xmlns:a16="http://schemas.microsoft.com/office/drawing/2014/main" id="{9B3BAB86-F316-5E7D-0A35-709EF6A976F6}"/>
+                </a:ext>
+              </a:extLst>
+            </p:cNvPr>
+            <p:cNvPicPr>
+              <a:picLocks noChangeAspect="1"/>
+            </p:cNvPicPr>
+            <p:nvPr/>
+          </p:nvPicPr>
+          <p:blipFill>
+            <a:blip r:embed="rId2"/>
+            <a:stretch>
+              <a:fillRect/>
+            </a:stretch>
+          </p:blipFill>
+          <p:spPr>
+            <a:xfrm>
+              <a:off x="10834254" y="94913"/>
+              <a:ext cx="908386" cy="908386"/>
+            </a:xfrm>
+            <a:prstGeom prst="roundRect">
+              <a:avLst>
+                <a:gd name="adj" fmla="val 16667"/>
+              </a:avLst>
+            </a:prstGeom>
+            <a:ln>
+              <a:noFill/>
+            </a:ln>
+            <a:effectLst>
+              <a:outerShdw blurRad="76200" dist="38100" dir="7800000" algn="tl" rotWithShape="0">
+                <a:srgbClr val="000000">
+                  <a:alpha val="40000"/>
+                </a:srgbClr>
+              </a:outerShdw>
+            </a:effectLst>
+            <a:scene3d>
+              <a:camera prst="orthographicFront"/>
+              <a:lightRig rig="contrasting" dir="t">
+                <a:rot lat="0" lon="0" rev="4200000"/>
+              </a:lightRig>
+            </a:scene3d>
+            <a:sp3d prstMaterial="plastic">
+              <a:bevelT w="381000" h="114300" prst="relaxedInset"/>
+              <a:contourClr>
+                <a:srgbClr val="969696"/>
+              </a:contourClr>
+            </a:sp3d>
+          </p:spPr>
+        </p:pic>
+        <p:sp>
+          <p:nvSpPr>
+            <p:cNvPr id="14" name="TextBox 13">
+              <a:extLst>
+                <a:ext uri="{FF2B5EF4-FFF2-40B4-BE49-F238E27FC236}">
+                  <a16:creationId xmlns:a16="http://schemas.microsoft.com/office/drawing/2014/main" id="{1817B5E3-F27B-1598-7FA8-CD98CC47B0A8}"/>
+                </a:ext>
+              </a:extLst>
+            </p:cNvPr>
+            <p:cNvSpPr txBox="1"/>
+            <p:nvPr/>
+          </p:nvSpPr>
+          <p:spPr>
+            <a:xfrm>
+              <a:off x="647059" y="160224"/>
+              <a:ext cx="8538491" cy="769441"/>
+            </a:xfrm>
+            <a:prstGeom prst="rect">
+              <a:avLst/>
+            </a:prstGeom>
+            <a:noFill/>
+          </p:spPr>
+          <p:txBody>
+            <a:bodyPr wrap="none" lIns="91440" tIns="45720" rIns="91440" bIns="45720" rtlCol="0" anchor="t">
+              <a:spAutoFit/>
+            </a:bodyPr>
+            <a:lstStyle/>
+            <a:p>
+              <a:r>
+                <a:rPr lang="es-ES" sz="4400" dirty="0">
+                  <a:solidFill>
+                    <a:schemeClr val="bg1"/>
+                  </a:solidFill>
+                </a:rPr>
+                <a:t>Pipeline preprocesado categóricas II </a:t>
+              </a:r>
+              <a:endParaRPr lang="en-US" sz="4400" dirty="0">
+                <a:solidFill>
+                  <a:schemeClr val="bg1"/>
+                </a:solidFill>
+              </a:endParaRPr>
+            </a:p>
+          </p:txBody>
+        </p:sp>
+      </p:grpSp>
+      <p:pic>
+        <p:nvPicPr>
+          <p:cNvPr id="1026" name="Picture 2">
+            <a:extLst>
+              <a:ext uri="{FF2B5EF4-FFF2-40B4-BE49-F238E27FC236}">
+                <a16:creationId xmlns:a16="http://schemas.microsoft.com/office/drawing/2014/main" id="{580BED25-DD78-4437-B0BA-6DAF4C0C3D4A}"/>
+              </a:ext>
+            </a:extLst>
+          </p:cNvPr>
+          <p:cNvPicPr>
+            <a:picLocks noChangeAspect="1" noChangeArrowheads="1"/>
+          </p:cNvPicPr>
+          <p:nvPr/>
+        </p:nvPicPr>
+        <p:blipFill>
+          <a:blip r:embed="rId3">
+            <a:extLst>
+              <a:ext uri="{28A0092B-C50C-407E-A947-70E740481C1C}">
+                <a14:useLocalDpi xmlns:a14="http://schemas.microsoft.com/office/drawing/2010/main" val="0"/>
+              </a:ext>
+            </a:extLst>
+          </a:blip>
+          <a:srcRect/>
+          <a:stretch>
+            <a:fillRect/>
+          </a:stretch>
+        </p:blipFill>
+        <p:spPr bwMode="auto">
+          <a:xfrm>
+            <a:off x="833669" y="1565244"/>
+            <a:ext cx="10648950" cy="4686300"/>
+          </a:xfrm>
+          <a:prstGeom prst="rect">
+            <a:avLst/>
+          </a:prstGeom>
+          <a:noFill/>
+          <a:extLst>
+            <a:ext uri="{909E8E84-426E-40DD-AFC4-6F175D3DCCD1}">
+              <a14:hiddenFill xmlns:a14="http://schemas.microsoft.com/office/drawing/2010/main">
+                <a:solidFill>
+                  <a:srgbClr val="FFFFFF"/>
+                </a:solidFill>
+              </a14:hiddenFill>
+            </a:ext>
+          </a:extLst>
+        </p:spPr>
+      </p:pic>
+    </p:spTree>
+    <p:extLst>
+      <p:ext uri="{BB962C8B-B14F-4D97-AF65-F5344CB8AC3E}">
+        <p14:creationId xmlns:p14="http://schemas.microsoft.com/office/powerpoint/2010/main" val="1980447678"/>
+      </p:ext>
+    </p:extLst>
+  </p:cSld>
+  <p:clrMapOvr>
+    <a:masterClrMapping/>
+  </p:clrMapOvr>
+</p:sld>
+</file>
+
+<file path=ppt/slides/slide8.xml><?xml version="1.0" encoding="utf-8"?>
+<p:sld xmlns:a="http://schemas.openxmlformats.org/drawingml/2006/main" xmlns:r="http://schemas.openxmlformats.org/officeDocument/2006/relationships" xmlns:p="http://schemas.openxmlformats.org/presentationml/2006/main">
+  <p:cSld>
+    <p:spTree>
+      <p:nvGrpSpPr>
+        <p:cNvPr id="1" name=""/>
+        <p:cNvGrpSpPr/>
+        <p:nvPr/>
+      </p:nvGrpSpPr>
+      <p:grpSpPr>
+        <a:xfrm>
+          <a:off x="0" y="0"/>
+          <a:ext cx="0" cy="0"/>
+          <a:chOff x="0" y="0"/>
+          <a:chExt cx="0" cy="0"/>
+        </a:xfrm>
+      </p:grpSpPr>
+      <p:grpSp>
+        <p:nvGrpSpPr>
+          <p:cNvPr id="11" name="Group 10"/>
+          <p:cNvGrpSpPr/>
+          <p:nvPr/>
+        </p:nvGrpSpPr>
+        <p:grpSpPr>
+          <a:xfrm>
+            <a:off x="0" y="0"/>
+            <a:ext cx="12192000" cy="1089891"/>
+            <a:chOff x="0" y="0"/>
+            <a:chExt cx="12192000" cy="1089891"/>
+          </a:xfrm>
+        </p:grpSpPr>
+        <p:sp>
+          <p:nvSpPr>
+            <p:cNvPr id="12" name="Rectangle 11"/>
+            <p:cNvSpPr/>
+            <p:nvPr/>
+          </p:nvSpPr>
+          <p:spPr>
+            <a:xfrm>
+              <a:off x="0" y="0"/>
+              <a:ext cx="12192000" cy="1089891"/>
+            </a:xfrm>
+            <a:prstGeom prst="rect">
+              <a:avLst/>
+            </a:prstGeom>
+            <a:solidFill>
+              <a:srgbClr val="84C6B8"/>
+            </a:solidFill>
+            <a:ln>
+              <a:noFill/>
+            </a:ln>
+          </p:spPr>
+          <p:style>
+            <a:lnRef idx="2">
+              <a:schemeClr val="accent1">
+                <a:shade val="50000"/>
+              </a:schemeClr>
+            </a:lnRef>
+            <a:fillRef idx="1">
+              <a:schemeClr val="accent1"/>
+            </a:fillRef>
+            <a:effectRef idx="0">
+              <a:schemeClr val="accent1"/>
+            </a:effectRef>
+            <a:fontRef idx="minor">
+              <a:schemeClr val="lt1"/>
+            </a:fontRef>
+          </p:style>
+          <p:txBody>
+            <a:bodyPr rtlCol="0" anchor="ctr"/>
+            <a:lstStyle/>
+            <a:p>
+              <a:pPr algn="ctr"/>
+              <a:endParaRPr lang="en-US" dirty="0"/>
+            </a:p>
+          </p:txBody>
+        </p:sp>
+        <p:pic>
+          <p:nvPicPr>
+            <p:cNvPr id="13" name="Picture 12"/>
+            <p:cNvPicPr>
+              <a:picLocks noChangeAspect="1"/>
+            </p:cNvPicPr>
+            <p:nvPr/>
+          </p:nvPicPr>
+          <p:blipFill>
+            <a:blip r:embed="rId2"/>
+            <a:stretch>
+              <a:fillRect/>
+            </a:stretch>
+          </p:blipFill>
+          <p:spPr>
+            <a:xfrm>
+              <a:off x="10834254" y="94913"/>
+              <a:ext cx="908386" cy="908386"/>
+            </a:xfrm>
+            <a:prstGeom prst="roundRect">
+              <a:avLst>
+                <a:gd name="adj" fmla="val 16667"/>
+              </a:avLst>
+            </a:prstGeom>
+            <a:ln>
+              <a:noFill/>
+            </a:ln>
+            <a:effectLst>
+              <a:outerShdw blurRad="76200" dist="38100" dir="7800000" algn="tl" rotWithShape="0">
+                <a:srgbClr val="000000">
+                  <a:alpha val="40000"/>
+                </a:srgbClr>
+              </a:outerShdw>
+            </a:effectLst>
+            <a:scene3d>
+              <a:camera prst="orthographicFront"/>
+              <a:lightRig rig="contrasting" dir="t">
+                <a:rot lat="0" lon="0" rev="4200000"/>
+              </a:lightRig>
+            </a:scene3d>
+            <a:sp3d prstMaterial="plastic">
+              <a:bevelT w="381000" h="114300" prst="relaxedInset"/>
+              <a:contourClr>
+                <a:srgbClr val="969696"/>
+              </a:contourClr>
+            </a:sp3d>
+          </p:spPr>
+        </p:pic>
+        <p:sp>
+          <p:nvSpPr>
+            <p:cNvPr id="14" name="TextBox 13"/>
+            <p:cNvSpPr txBox="1"/>
+            <p:nvPr/>
+          </p:nvSpPr>
+          <p:spPr>
+            <a:xfrm>
+              <a:off x="647059" y="160224"/>
+              <a:ext cx="7809767" cy="769441"/>
+            </a:xfrm>
+            <a:prstGeom prst="rect">
+              <a:avLst/>
+            </a:prstGeom>
+            <a:noFill/>
+          </p:spPr>
+          <p:txBody>
+            <a:bodyPr wrap="none" lIns="91440" tIns="45720" rIns="91440" bIns="45720" rtlCol="0" anchor="t">
+              <a:spAutoFit/>
+            </a:bodyPr>
+            <a:lstStyle/>
+            <a:p>
+              <a:r>
+                <a:rPr lang="es-ES" sz="4400" dirty="0">
+                  <a:solidFill>
+                    <a:schemeClr val="bg1"/>
+                  </a:solidFill>
+                </a:rPr>
+                <a:t>Pipeline </a:t>
+              </a:r>
+              <a:r>
+                <a:rPr lang="es-ES" sz="4400" dirty="0" err="1">
+                  <a:solidFill>
+                    <a:schemeClr val="bg1"/>
+                  </a:solidFill>
+                </a:rPr>
+                <a:t>preprocesado</a:t>
+              </a:r>
+              <a:r>
+                <a:rPr lang="es-ES" sz="4400" dirty="0">
+                  <a:solidFill>
+                    <a:schemeClr val="bg1"/>
+                  </a:solidFill>
+                </a:rPr>
+                <a:t> numéricas</a:t>
               </a:r>
               <a:endParaRPr lang="en-US" sz="4400" dirty="0">
                 <a:solidFill>
@@ -4425,7 +5782,740 @@
     </p:spTree>
     <p:extLst>
       <p:ext uri="{BB962C8B-B14F-4D97-AF65-F5344CB8AC3E}">
-        <p14:creationId xmlns:p14="http://schemas.microsoft.com/office/powerpoint/2010/main" val="489854422"/>
+        <p14:creationId xmlns:p14="http://schemas.microsoft.com/office/powerpoint/2010/main" val="3319422744"/>
+      </p:ext>
+    </p:extLst>
+  </p:cSld>
+  <p:clrMapOvr>
+    <a:masterClrMapping/>
+  </p:clrMapOvr>
+</p:sld>
+</file>
+
+<file path=ppt/slides/slide9.xml><?xml version="1.0" encoding="utf-8"?>
+<p:sld xmlns:a="http://schemas.openxmlformats.org/drawingml/2006/main" xmlns:r="http://schemas.openxmlformats.org/officeDocument/2006/relationships" xmlns:p="http://schemas.openxmlformats.org/presentationml/2006/main">
+  <p:cSld>
+    <p:spTree>
+      <p:nvGrpSpPr>
+        <p:cNvPr id="1" name=""/>
+        <p:cNvGrpSpPr/>
+        <p:nvPr/>
+      </p:nvGrpSpPr>
+      <p:grpSpPr>
+        <a:xfrm>
+          <a:off x="0" y="0"/>
+          <a:ext cx="0" cy="0"/>
+          <a:chOff x="0" y="0"/>
+          <a:chExt cx="0" cy="0"/>
+        </a:xfrm>
+      </p:grpSpPr>
+      <p:grpSp>
+        <p:nvGrpSpPr>
+          <p:cNvPr id="11" name="Group 10"/>
+          <p:cNvGrpSpPr/>
+          <p:nvPr/>
+        </p:nvGrpSpPr>
+        <p:grpSpPr>
+          <a:xfrm>
+            <a:off x="0" y="0"/>
+            <a:ext cx="12192000" cy="1089891"/>
+            <a:chOff x="0" y="0"/>
+            <a:chExt cx="12192000" cy="1089891"/>
+          </a:xfrm>
+        </p:grpSpPr>
+        <p:sp>
+          <p:nvSpPr>
+            <p:cNvPr id="12" name="Rectangle 11"/>
+            <p:cNvSpPr/>
+            <p:nvPr/>
+          </p:nvSpPr>
+          <p:spPr>
+            <a:xfrm>
+              <a:off x="0" y="0"/>
+              <a:ext cx="12192000" cy="1089891"/>
+            </a:xfrm>
+            <a:prstGeom prst="rect">
+              <a:avLst/>
+            </a:prstGeom>
+            <a:solidFill>
+              <a:srgbClr val="84C6B8"/>
+            </a:solidFill>
+            <a:ln>
+              <a:noFill/>
+            </a:ln>
+          </p:spPr>
+          <p:style>
+            <a:lnRef idx="2">
+              <a:schemeClr val="accent1">
+                <a:shade val="50000"/>
+              </a:schemeClr>
+            </a:lnRef>
+            <a:fillRef idx="1">
+              <a:schemeClr val="accent1"/>
+            </a:fillRef>
+            <a:effectRef idx="0">
+              <a:schemeClr val="accent1"/>
+            </a:effectRef>
+            <a:fontRef idx="minor">
+              <a:schemeClr val="lt1"/>
+            </a:fontRef>
+          </p:style>
+          <p:txBody>
+            <a:bodyPr rtlCol="0" anchor="ctr"/>
+            <a:lstStyle/>
+            <a:p>
+              <a:pPr algn="ctr"/>
+              <a:endParaRPr lang="en-US" dirty="0"/>
+            </a:p>
+          </p:txBody>
+        </p:sp>
+        <p:pic>
+          <p:nvPicPr>
+            <p:cNvPr id="13" name="Picture 12"/>
+            <p:cNvPicPr>
+              <a:picLocks noChangeAspect="1"/>
+            </p:cNvPicPr>
+            <p:nvPr/>
+          </p:nvPicPr>
+          <p:blipFill>
+            <a:blip r:embed="rId2"/>
+            <a:stretch>
+              <a:fillRect/>
+            </a:stretch>
+          </p:blipFill>
+          <p:spPr>
+            <a:xfrm>
+              <a:off x="10834254" y="94913"/>
+              <a:ext cx="908386" cy="908386"/>
+            </a:xfrm>
+            <a:prstGeom prst="roundRect">
+              <a:avLst>
+                <a:gd name="adj" fmla="val 16667"/>
+              </a:avLst>
+            </a:prstGeom>
+            <a:ln>
+              <a:noFill/>
+            </a:ln>
+            <a:effectLst>
+              <a:outerShdw blurRad="76200" dist="38100" dir="7800000" algn="tl" rotWithShape="0">
+                <a:srgbClr val="000000">
+                  <a:alpha val="40000"/>
+                </a:srgbClr>
+              </a:outerShdw>
+            </a:effectLst>
+            <a:scene3d>
+              <a:camera prst="orthographicFront"/>
+              <a:lightRig rig="contrasting" dir="t">
+                <a:rot lat="0" lon="0" rev="4200000"/>
+              </a:lightRig>
+            </a:scene3d>
+            <a:sp3d prstMaterial="plastic">
+              <a:bevelT w="381000" h="114300" prst="relaxedInset"/>
+              <a:contourClr>
+                <a:srgbClr val="969696"/>
+              </a:contourClr>
+            </a:sp3d>
+          </p:spPr>
+        </p:pic>
+        <p:sp>
+          <p:nvSpPr>
+            <p:cNvPr id="14" name="TextBox 13"/>
+            <p:cNvSpPr txBox="1"/>
+            <p:nvPr/>
+          </p:nvSpPr>
+          <p:spPr>
+            <a:xfrm>
+              <a:off x="647059" y="160224"/>
+              <a:ext cx="2537874" cy="769441"/>
+            </a:xfrm>
+            <a:prstGeom prst="rect">
+              <a:avLst/>
+            </a:prstGeom>
+            <a:noFill/>
+          </p:spPr>
+          <p:txBody>
+            <a:bodyPr wrap="none" lIns="91440" tIns="45720" rIns="91440" bIns="45720" rtlCol="0" anchor="t">
+              <a:spAutoFit/>
+            </a:bodyPr>
+            <a:lstStyle/>
+            <a:p>
+              <a:r>
+                <a:rPr lang="es-ES" sz="4400" dirty="0">
+                  <a:solidFill>
+                    <a:schemeClr val="bg1"/>
+                  </a:solidFill>
+                </a:rPr>
+                <a:t>Modelado</a:t>
+              </a:r>
+              <a:endParaRPr lang="en-US" sz="4400" dirty="0">
+                <a:solidFill>
+                  <a:schemeClr val="bg1"/>
+                </a:solidFill>
+              </a:endParaRPr>
+            </a:p>
+          </p:txBody>
+        </p:sp>
+      </p:grpSp>
+      <p:sp>
+        <p:nvSpPr>
+          <p:cNvPr id="3" name="CuadroTexto 2">
+            <a:extLst>
+              <a:ext uri="{FF2B5EF4-FFF2-40B4-BE49-F238E27FC236}">
+                <a16:creationId xmlns:a16="http://schemas.microsoft.com/office/drawing/2014/main" id="{A40321BE-40DF-171D-ACE4-EC2F28CAB349}"/>
+              </a:ext>
+            </a:extLst>
+          </p:cNvPr>
+          <p:cNvSpPr txBox="1"/>
+          <p:nvPr/>
+        </p:nvSpPr>
+        <p:spPr>
+          <a:xfrm>
+            <a:off x="561622" y="1111955"/>
+            <a:ext cx="11181645" cy="646331"/>
+          </a:xfrm>
+          <a:prstGeom prst="rect">
+            <a:avLst/>
+          </a:prstGeom>
+          <a:noFill/>
+        </p:spPr>
+        <p:txBody>
+          <a:bodyPr rot="0" spcFirstLastPara="0" vertOverflow="overflow" horzOverflow="overflow" vert="horz" wrap="square" lIns="91440" tIns="45720" rIns="91440" bIns="45720" numCol="1" spcCol="0" rtlCol="0" fromWordArt="0" anchor="t" anchorCtr="0" forceAA="0" compatLnSpc="1">
+            <a:prstTxWarp prst="textNoShape">
+              <a:avLst/>
+            </a:prstTxWarp>
+            <a:spAutoFit/>
+          </a:bodyPr>
+          <a:lstStyle/>
+          <a:p>
+            <a:r>
+              <a:rPr lang="es-ES" dirty="0">
+                <a:solidFill>
+                  <a:srgbClr val="517E76"/>
+                </a:solidFill>
+              </a:rPr>
+              <a:t>Se ha utilizado validación cruzada para evaluar los 3 modelos elegidos, utilizando como score el RMSE –raíz cuadrada del error cuadrático medio - </a:t>
+            </a:r>
+            <a:endParaRPr lang="es-ES" dirty="0" err="1">
+              <a:solidFill>
+                <a:srgbClr val="517E76"/>
+              </a:solidFill>
+              <a:ea typeface="Calibri"/>
+              <a:cs typeface="Calibri"/>
+            </a:endParaRPr>
+          </a:p>
+        </p:txBody>
+      </p:sp>
+      <p:pic>
+        <p:nvPicPr>
+          <p:cNvPr id="4" name="Imagen 3" descr="Texto&#10;&#10;El contenido generado por inteligencia artificial puede ser incorrecto.">
+            <a:extLst>
+              <a:ext uri="{FF2B5EF4-FFF2-40B4-BE49-F238E27FC236}">
+                <a16:creationId xmlns:a16="http://schemas.microsoft.com/office/drawing/2014/main" id="{06A9DAA0-96D3-4AD1-1487-1DE79B110565}"/>
+              </a:ext>
+            </a:extLst>
+          </p:cNvPr>
+          <p:cNvPicPr>
+            <a:picLocks noChangeAspect="1"/>
+          </p:cNvPicPr>
+          <p:nvPr/>
+        </p:nvPicPr>
+        <p:blipFill>
+          <a:blip r:embed="rId3"/>
+          <a:stretch>
+            <a:fillRect/>
+          </a:stretch>
+        </p:blipFill>
+        <p:spPr>
+          <a:xfrm>
+            <a:off x="-6349" y="1689631"/>
+            <a:ext cx="4669365" cy="5143852"/>
+          </a:xfrm>
+          <a:prstGeom prst="rect">
+            <a:avLst/>
+          </a:prstGeom>
+        </p:spPr>
+      </p:pic>
+      <p:pic>
+        <p:nvPicPr>
+          <p:cNvPr id="5" name="Imagen 4" descr="Texto&#10;&#10;El contenido generado por inteligencia artificial puede ser incorrecto.">
+            <a:extLst>
+              <a:ext uri="{FF2B5EF4-FFF2-40B4-BE49-F238E27FC236}">
+                <a16:creationId xmlns:a16="http://schemas.microsoft.com/office/drawing/2014/main" id="{754D26F0-E110-CFDD-6797-857ED24F6162}"/>
+              </a:ext>
+            </a:extLst>
+          </p:cNvPr>
+          <p:cNvPicPr>
+            <a:picLocks noChangeAspect="1"/>
+          </p:cNvPicPr>
+          <p:nvPr/>
+        </p:nvPicPr>
+        <p:blipFill>
+          <a:blip r:embed="rId4"/>
+          <a:stretch>
+            <a:fillRect/>
+          </a:stretch>
+        </p:blipFill>
+        <p:spPr>
+          <a:xfrm>
+            <a:off x="4780138" y="3297981"/>
+            <a:ext cx="7415390" cy="1797754"/>
+          </a:xfrm>
+          <a:prstGeom prst="rect">
+            <a:avLst/>
+          </a:prstGeom>
+        </p:spPr>
+      </p:pic>
+      <p:sp>
+        <p:nvSpPr>
+          <p:cNvPr id="8" name="CuadroTexto 7">
+            <a:extLst>
+              <a:ext uri="{FF2B5EF4-FFF2-40B4-BE49-F238E27FC236}">
+                <a16:creationId xmlns:a16="http://schemas.microsoft.com/office/drawing/2014/main" id="{006F75C4-CF57-ACC2-D77E-A49DE68DDC49}"/>
+              </a:ext>
+            </a:extLst>
+          </p:cNvPr>
+          <p:cNvSpPr txBox="1"/>
+          <p:nvPr/>
+        </p:nvSpPr>
+        <p:spPr>
+          <a:xfrm>
+            <a:off x="5264881" y="5361262"/>
+            <a:ext cx="6624023" cy="1200329"/>
+          </a:xfrm>
+          <a:prstGeom prst="rect">
+            <a:avLst/>
+          </a:prstGeom>
+          <a:noFill/>
+        </p:spPr>
+        <p:txBody>
+          <a:bodyPr rot="0" spcFirstLastPara="0" vertOverflow="overflow" horzOverflow="overflow" vert="horz" wrap="square" lIns="91440" tIns="45720" rIns="91440" bIns="45720" numCol="1" spcCol="0" rtlCol="0" fromWordArt="0" anchor="t" anchorCtr="0" forceAA="0" compatLnSpc="1">
+            <a:prstTxWarp prst="textNoShape">
+              <a:avLst/>
+            </a:prstTxWarp>
+            <a:spAutoFit/>
+          </a:bodyPr>
+          <a:lstStyle/>
+          <a:p>
+            <a:r>
+              <a:rPr lang="en-US" err="1">
+                <a:solidFill>
+                  <a:srgbClr val="517E76"/>
+                </a:solidFill>
+              </a:rPr>
+              <a:t>Validacion</a:t>
+            </a:r>
+            <a:r>
+              <a:rPr lang="en-US" dirty="0">
+                <a:solidFill>
+                  <a:srgbClr val="517E76"/>
+                </a:solidFill>
+              </a:rPr>
+              <a:t> </a:t>
+            </a:r>
+            <a:r>
+              <a:rPr lang="en-US" err="1">
+                <a:solidFill>
+                  <a:srgbClr val="517E76"/>
+                </a:solidFill>
+              </a:rPr>
+              <a:t>cruzada</a:t>
+            </a:r>
+            <a:r>
+              <a:rPr lang="en-US" dirty="0">
+                <a:solidFill>
+                  <a:srgbClr val="517E76"/>
+                </a:solidFill>
+              </a:rPr>
+              <a:t> con Pipeline VS data </a:t>
+            </a:r>
+            <a:r>
+              <a:rPr lang="en-US">
+                <a:solidFill>
+                  <a:srgbClr val="517E76"/>
+                </a:solidFill>
+              </a:rPr>
+              <a:t>leakage</a:t>
+            </a:r>
+            <a:endParaRPr lang="es-ES" dirty="0" err="1">
+              <a:solidFill>
+                <a:srgbClr val="517E76"/>
+              </a:solidFill>
+            </a:endParaRPr>
+          </a:p>
+          <a:p>
+            <a:r>
+              <a:rPr lang="en-US" dirty="0" err="1">
+                <a:solidFill>
+                  <a:srgbClr val="517E76"/>
+                </a:solidFill>
+              </a:rPr>
+              <a:t>Previene</a:t>
+            </a:r>
+            <a:r>
+              <a:rPr lang="en-US" dirty="0">
+                <a:solidFill>
+                  <a:srgbClr val="517E76"/>
+                </a:solidFill>
+              </a:rPr>
+              <a:t> la </a:t>
+            </a:r>
+            <a:r>
+              <a:rPr lang="en-US" dirty="0" err="1">
+                <a:solidFill>
+                  <a:srgbClr val="517E76"/>
+                </a:solidFill>
+              </a:rPr>
+              <a:t>fuga</a:t>
+            </a:r>
+            <a:r>
+              <a:rPr lang="en-US" dirty="0">
+                <a:solidFill>
+                  <a:srgbClr val="517E76"/>
+                </a:solidFill>
+              </a:rPr>
+              <a:t> de </a:t>
+            </a:r>
+            <a:r>
+              <a:rPr lang="en-US" dirty="0" err="1">
+                <a:solidFill>
+                  <a:srgbClr val="517E76"/>
+                </a:solidFill>
+              </a:rPr>
+              <a:t>datos</a:t>
+            </a:r>
+            <a:r>
+              <a:rPr lang="en-US" dirty="0">
+                <a:solidFill>
+                  <a:srgbClr val="517E76"/>
+                </a:solidFill>
+              </a:rPr>
+              <a:t> --&gt; </a:t>
+            </a:r>
+            <a:r>
+              <a:rPr lang="en-US" dirty="0" err="1">
+                <a:solidFill>
+                  <a:srgbClr val="517E76"/>
+                </a:solidFill>
+              </a:rPr>
+              <a:t>Asegura</a:t>
+            </a:r>
+            <a:r>
+              <a:rPr lang="en-US" dirty="0">
+                <a:solidFill>
+                  <a:srgbClr val="517E76"/>
+                </a:solidFill>
+              </a:rPr>
+              <a:t> que la </a:t>
+            </a:r>
+            <a:r>
+              <a:rPr lang="en-US" dirty="0" err="1">
+                <a:solidFill>
+                  <a:srgbClr val="517E76"/>
+                </a:solidFill>
+              </a:rPr>
+              <a:t>información</a:t>
+            </a:r>
+            <a:r>
+              <a:rPr lang="en-US" dirty="0">
+                <a:solidFill>
+                  <a:srgbClr val="517E76"/>
+                </a:solidFill>
+              </a:rPr>
+              <a:t> del conjunto de </a:t>
+            </a:r>
+            <a:r>
+              <a:rPr lang="en-US" dirty="0" err="1">
+                <a:solidFill>
+                  <a:srgbClr val="517E76"/>
+                </a:solidFill>
+              </a:rPr>
+              <a:t>prueba</a:t>
+            </a:r>
+            <a:r>
+              <a:rPr lang="en-US" dirty="0">
+                <a:solidFill>
+                  <a:srgbClr val="517E76"/>
+                </a:solidFill>
+              </a:rPr>
+              <a:t> no se </a:t>
+            </a:r>
+            <a:r>
+              <a:rPr lang="en-US" dirty="0" err="1">
+                <a:solidFill>
+                  <a:srgbClr val="517E76"/>
+                </a:solidFill>
+              </a:rPr>
+              <a:t>utilice</a:t>
+            </a:r>
+            <a:r>
+              <a:rPr lang="en-US" dirty="0">
+                <a:solidFill>
+                  <a:srgbClr val="517E76"/>
+                </a:solidFill>
+              </a:rPr>
+              <a:t> </a:t>
+            </a:r>
+            <a:r>
+              <a:rPr lang="en-US" dirty="0" err="1">
+                <a:solidFill>
+                  <a:srgbClr val="517E76"/>
+                </a:solidFill>
+              </a:rPr>
+              <a:t>durante</a:t>
+            </a:r>
+            <a:r>
+              <a:rPr lang="en-US" dirty="0">
+                <a:solidFill>
+                  <a:srgbClr val="517E76"/>
+                </a:solidFill>
+              </a:rPr>
+              <a:t> </a:t>
+            </a:r>
+            <a:r>
+              <a:rPr lang="en-US" dirty="0" err="1">
+                <a:solidFill>
+                  <a:srgbClr val="517E76"/>
+                </a:solidFill>
+              </a:rPr>
+              <a:t>el</a:t>
+            </a:r>
+            <a:r>
+              <a:rPr lang="en-US" dirty="0">
+                <a:solidFill>
+                  <a:srgbClr val="517E76"/>
+                </a:solidFill>
+              </a:rPr>
+              <a:t> </a:t>
+            </a:r>
+            <a:r>
+              <a:rPr lang="en-US" dirty="0" err="1">
+                <a:solidFill>
+                  <a:srgbClr val="517E76"/>
+                </a:solidFill>
+              </a:rPr>
+              <a:t>preprocesamiento</a:t>
+            </a:r>
+            <a:r>
+              <a:rPr lang="en-US" dirty="0">
+                <a:solidFill>
+                  <a:srgbClr val="517E76"/>
+                </a:solidFill>
+              </a:rPr>
+              <a:t> de </a:t>
+            </a:r>
+            <a:r>
+              <a:rPr lang="en-US" dirty="0" err="1">
+                <a:solidFill>
+                  <a:srgbClr val="517E76"/>
+                </a:solidFill>
+              </a:rPr>
+              <a:t>los</a:t>
+            </a:r>
+            <a:r>
+              <a:rPr lang="en-US" dirty="0">
+                <a:solidFill>
+                  <a:srgbClr val="517E76"/>
+                </a:solidFill>
+              </a:rPr>
+              <a:t> </a:t>
+            </a:r>
+            <a:r>
+              <a:rPr lang="en-US" dirty="0" err="1">
+                <a:solidFill>
+                  <a:srgbClr val="517E76"/>
+                </a:solidFill>
+              </a:rPr>
+              <a:t>datos</a:t>
+            </a:r>
+            <a:r>
+              <a:rPr lang="en-US" dirty="0">
+                <a:solidFill>
+                  <a:srgbClr val="517E76"/>
+                </a:solidFill>
+              </a:rPr>
+              <a:t> de </a:t>
+            </a:r>
+            <a:r>
+              <a:rPr lang="en-US" dirty="0" err="1">
+                <a:solidFill>
+                  <a:srgbClr val="517E76"/>
+                </a:solidFill>
+              </a:rPr>
+              <a:t>entrenamiento</a:t>
+            </a:r>
+            <a:endParaRPr lang="es-ES" dirty="0">
+              <a:solidFill>
+                <a:srgbClr val="517E76"/>
+              </a:solidFill>
+              <a:ea typeface="Calibri" panose="020F0502020204030204"/>
+              <a:cs typeface="Calibri" panose="020F0502020204030204"/>
+            </a:endParaRPr>
+          </a:p>
+        </p:txBody>
+      </p:sp>
+      <p:sp>
+        <p:nvSpPr>
+          <p:cNvPr id="10" name="Globo: línea 9">
+            <a:extLst>
+              <a:ext uri="{FF2B5EF4-FFF2-40B4-BE49-F238E27FC236}">
+                <a16:creationId xmlns:a16="http://schemas.microsoft.com/office/drawing/2014/main" id="{AFCBBA04-31F1-D4FB-55B7-D4809799DE9E}"/>
+              </a:ext>
+            </a:extLst>
+          </p:cNvPr>
+          <p:cNvSpPr/>
+          <p:nvPr/>
+        </p:nvSpPr>
+        <p:spPr>
+          <a:xfrm rot="10800000">
+            <a:off x="2504587" y="2238076"/>
+            <a:ext cx="2038655" cy="208205"/>
+          </a:xfrm>
+          <a:prstGeom prst="borderCallout1">
+            <a:avLst/>
+          </a:prstGeom>
+          <a:noFill/>
+          <a:ln w="28575">
+            <a:solidFill>
+              <a:srgbClr val="FFFF00"/>
+            </a:solidFill>
+          </a:ln>
+        </p:spPr>
+        <p:style>
+          <a:lnRef idx="2">
+            <a:schemeClr val="accent5"/>
+          </a:lnRef>
+          <a:fillRef idx="1">
+            <a:schemeClr val="lt1"/>
+          </a:fillRef>
+          <a:effectRef idx="0">
+            <a:schemeClr val="accent5"/>
+          </a:effectRef>
+          <a:fontRef idx="minor">
+            <a:schemeClr val="dk1"/>
+          </a:fontRef>
+        </p:style>
+        <p:txBody>
+          <a:bodyPr rtlCol="0" anchor="ctr"/>
+          <a:lstStyle/>
+          <a:p>
+            <a:pPr algn="ctr"/>
+            <a:endParaRPr lang="es-ES"/>
+          </a:p>
+        </p:txBody>
+      </p:sp>
+      <p:sp>
+        <p:nvSpPr>
+          <p:cNvPr id="15" name="CuadroTexto 14">
+            <a:extLst>
+              <a:ext uri="{FF2B5EF4-FFF2-40B4-BE49-F238E27FC236}">
+                <a16:creationId xmlns:a16="http://schemas.microsoft.com/office/drawing/2014/main" id="{E10D97F0-666D-BDAE-2B41-FA7D0D717F46}"/>
+              </a:ext>
+            </a:extLst>
+          </p:cNvPr>
+          <p:cNvSpPr txBox="1"/>
+          <p:nvPr/>
+        </p:nvSpPr>
+        <p:spPr>
+          <a:xfrm>
+            <a:off x="5281921" y="1775444"/>
+            <a:ext cx="4136741" cy="584775"/>
+          </a:xfrm>
+          <a:prstGeom prst="rect">
+            <a:avLst/>
+          </a:prstGeom>
+          <a:noFill/>
+          <a:ln>
+            <a:solidFill>
+              <a:srgbClr val="FFFF00"/>
+            </a:solidFill>
+          </a:ln>
+        </p:spPr>
+        <p:txBody>
+          <a:bodyPr rot="0" spcFirstLastPara="0" vertOverflow="overflow" horzOverflow="overflow" vert="horz" wrap="square" lIns="91440" tIns="45720" rIns="91440" bIns="45720" numCol="1" spcCol="0" rtlCol="0" fromWordArt="0" anchor="t" anchorCtr="0" forceAA="0" compatLnSpc="1">
+            <a:prstTxWarp prst="textNoShape">
+              <a:avLst/>
+            </a:prstTxWarp>
+            <a:spAutoFit/>
+          </a:bodyPr>
+          <a:lstStyle/>
+          <a:p>
+            <a:r>
+              <a:rPr lang="es-ES" sz="1600" dirty="0">
+                <a:solidFill>
+                  <a:srgbClr val="517E76"/>
+                </a:solidFill>
+                <a:ea typeface="Calibri"/>
+                <a:cs typeface="Calibri"/>
+              </a:rPr>
+              <a:t>Utilizamos </a:t>
+            </a:r>
+            <a:r>
+              <a:rPr lang="es-ES" sz="1600" err="1">
+                <a:solidFill>
+                  <a:srgbClr val="517E76"/>
+                </a:solidFill>
+                <a:ea typeface="Calibri"/>
+                <a:cs typeface="Calibri"/>
+              </a:rPr>
+              <a:t>TransformedTargetRegressor</a:t>
+            </a:r>
+            <a:r>
+              <a:rPr lang="es-ES" sz="1600" dirty="0">
+                <a:solidFill>
+                  <a:srgbClr val="517E76"/>
+                </a:solidFill>
+                <a:ea typeface="Calibri"/>
+                <a:cs typeface="Calibri"/>
+              </a:rPr>
+              <a:t> para aplicar la </a:t>
+            </a:r>
+            <a:r>
+              <a:rPr lang="es-ES" sz="1600" err="1">
+                <a:solidFill>
+                  <a:srgbClr val="517E76"/>
+                </a:solidFill>
+                <a:ea typeface="Calibri"/>
+                <a:cs typeface="Calibri"/>
+              </a:rPr>
+              <a:t>transformacion</a:t>
+            </a:r>
+            <a:r>
+              <a:rPr lang="es-ES" sz="1600" dirty="0">
+                <a:solidFill>
+                  <a:srgbClr val="517E76"/>
+                </a:solidFill>
+                <a:ea typeface="Calibri"/>
+                <a:cs typeface="Calibri"/>
+              </a:rPr>
+              <a:t> </a:t>
+            </a:r>
+            <a:r>
+              <a:rPr lang="es-ES" sz="1600" err="1">
+                <a:solidFill>
+                  <a:srgbClr val="517E76"/>
+                </a:solidFill>
+                <a:ea typeface="Calibri"/>
+                <a:cs typeface="Calibri"/>
+              </a:rPr>
+              <a:t>logaritmica</a:t>
+            </a:r>
+            <a:r>
+              <a:rPr lang="es-ES" sz="1600" dirty="0">
+                <a:solidFill>
+                  <a:srgbClr val="517E76"/>
+                </a:solidFill>
+                <a:ea typeface="Calibri"/>
+                <a:cs typeface="Calibri"/>
+              </a:rPr>
+              <a:t> al target</a:t>
+            </a:r>
+          </a:p>
+        </p:txBody>
+      </p:sp>
+    </p:spTree>
+    <p:extLst>
+      <p:ext uri="{BB962C8B-B14F-4D97-AF65-F5344CB8AC3E}">
+        <p14:creationId xmlns:p14="http://schemas.microsoft.com/office/powerpoint/2010/main" val="500435529"/>
       </p:ext>
     </p:extLst>
   </p:cSld>

--- a/Team_MPG.pptx
+++ b/Team_MPG.pptx
@@ -13,9 +13,11 @@
     <p:sldId id="263" r:id="rId7"/>
     <p:sldId id="266" r:id="rId8"/>
     <p:sldId id="265" r:id="rId9"/>
-    <p:sldId id="267" r:id="rId10"/>
-    <p:sldId id="268" r:id="rId11"/>
-    <p:sldId id="269" r:id="rId12"/>
+    <p:sldId id="270" r:id="rId10"/>
+    <p:sldId id="267" r:id="rId11"/>
+    <p:sldId id="268" r:id="rId12"/>
+    <p:sldId id="269" r:id="rId13"/>
+    <p:sldId id="271" r:id="rId14"/>
   </p:sldIdLst>
   <p:sldSz cx="12192000" cy="6858000"/>
   <p:notesSz cx="6858000" cy="9144000"/>
@@ -3271,6 +3273,691 @@
   <p:cSld>
     <p:spTree>
       <p:nvGrpSpPr>
+        <p:cNvPr id="1" name=""/>
+        <p:cNvGrpSpPr/>
+        <p:nvPr/>
+      </p:nvGrpSpPr>
+      <p:grpSpPr>
+        <a:xfrm>
+          <a:off x="0" y="0"/>
+          <a:ext cx="0" cy="0"/>
+          <a:chOff x="0" y="0"/>
+          <a:chExt cx="0" cy="0"/>
+        </a:xfrm>
+      </p:grpSpPr>
+      <p:grpSp>
+        <p:nvGrpSpPr>
+          <p:cNvPr id="11" name="Group 10"/>
+          <p:cNvGrpSpPr/>
+          <p:nvPr/>
+        </p:nvGrpSpPr>
+        <p:grpSpPr>
+          <a:xfrm>
+            <a:off x="0" y="0"/>
+            <a:ext cx="12192000" cy="1089891"/>
+            <a:chOff x="0" y="0"/>
+            <a:chExt cx="12192000" cy="1089891"/>
+          </a:xfrm>
+        </p:grpSpPr>
+        <p:sp>
+          <p:nvSpPr>
+            <p:cNvPr id="12" name="Rectangle 11"/>
+            <p:cNvSpPr/>
+            <p:nvPr/>
+          </p:nvSpPr>
+          <p:spPr>
+            <a:xfrm>
+              <a:off x="0" y="0"/>
+              <a:ext cx="12192000" cy="1089891"/>
+            </a:xfrm>
+            <a:prstGeom prst="rect">
+              <a:avLst/>
+            </a:prstGeom>
+            <a:solidFill>
+              <a:srgbClr val="84C6B8"/>
+            </a:solidFill>
+            <a:ln>
+              <a:noFill/>
+            </a:ln>
+          </p:spPr>
+          <p:style>
+            <a:lnRef idx="2">
+              <a:schemeClr val="accent1">
+                <a:shade val="50000"/>
+              </a:schemeClr>
+            </a:lnRef>
+            <a:fillRef idx="1">
+              <a:schemeClr val="accent1"/>
+            </a:fillRef>
+            <a:effectRef idx="0">
+              <a:schemeClr val="accent1"/>
+            </a:effectRef>
+            <a:fontRef idx="minor">
+              <a:schemeClr val="lt1"/>
+            </a:fontRef>
+          </p:style>
+          <p:txBody>
+            <a:bodyPr rtlCol="0" anchor="ctr"/>
+            <a:lstStyle/>
+            <a:p>
+              <a:pPr algn="ctr"/>
+              <a:endParaRPr lang="en-US" dirty="0"/>
+            </a:p>
+          </p:txBody>
+        </p:sp>
+        <p:pic>
+          <p:nvPicPr>
+            <p:cNvPr id="13" name="Picture 12"/>
+            <p:cNvPicPr>
+              <a:picLocks noChangeAspect="1"/>
+            </p:cNvPicPr>
+            <p:nvPr/>
+          </p:nvPicPr>
+          <p:blipFill>
+            <a:blip r:embed="rId2"/>
+            <a:stretch>
+              <a:fillRect/>
+            </a:stretch>
+          </p:blipFill>
+          <p:spPr>
+            <a:xfrm>
+              <a:off x="10834254" y="94913"/>
+              <a:ext cx="908386" cy="908386"/>
+            </a:xfrm>
+            <a:prstGeom prst="roundRect">
+              <a:avLst>
+                <a:gd name="adj" fmla="val 16667"/>
+              </a:avLst>
+            </a:prstGeom>
+            <a:ln>
+              <a:noFill/>
+            </a:ln>
+            <a:effectLst>
+              <a:outerShdw blurRad="76200" dist="38100" dir="7800000" algn="tl" rotWithShape="0">
+                <a:srgbClr val="000000">
+                  <a:alpha val="40000"/>
+                </a:srgbClr>
+              </a:outerShdw>
+            </a:effectLst>
+            <a:scene3d>
+              <a:camera prst="orthographicFront"/>
+              <a:lightRig rig="contrasting" dir="t">
+                <a:rot lat="0" lon="0" rev="4200000"/>
+              </a:lightRig>
+            </a:scene3d>
+            <a:sp3d prstMaterial="plastic">
+              <a:bevelT w="381000" h="114300" prst="relaxedInset"/>
+              <a:contourClr>
+                <a:srgbClr val="969696"/>
+              </a:contourClr>
+            </a:sp3d>
+          </p:spPr>
+        </p:pic>
+        <p:sp>
+          <p:nvSpPr>
+            <p:cNvPr id="14" name="TextBox 13"/>
+            <p:cNvSpPr txBox="1"/>
+            <p:nvPr/>
+          </p:nvSpPr>
+          <p:spPr>
+            <a:xfrm>
+              <a:off x="647059" y="160224"/>
+              <a:ext cx="2537874" cy="769441"/>
+            </a:xfrm>
+            <a:prstGeom prst="rect">
+              <a:avLst/>
+            </a:prstGeom>
+            <a:noFill/>
+          </p:spPr>
+          <p:txBody>
+            <a:bodyPr wrap="none" lIns="91440" tIns="45720" rIns="91440" bIns="45720" rtlCol="0" anchor="t">
+              <a:spAutoFit/>
+            </a:bodyPr>
+            <a:lstStyle/>
+            <a:p>
+              <a:r>
+                <a:rPr lang="es-ES" sz="4400" dirty="0">
+                  <a:solidFill>
+                    <a:schemeClr val="bg1"/>
+                  </a:solidFill>
+                </a:rPr>
+                <a:t>Modelado</a:t>
+              </a:r>
+              <a:endParaRPr lang="en-US" sz="4400" dirty="0">
+                <a:solidFill>
+                  <a:schemeClr val="bg1"/>
+                </a:solidFill>
+              </a:endParaRPr>
+            </a:p>
+          </p:txBody>
+        </p:sp>
+      </p:grpSp>
+      <p:sp>
+        <p:nvSpPr>
+          <p:cNvPr id="3" name="CuadroTexto 2">
+            <a:extLst>
+              <a:ext uri="{FF2B5EF4-FFF2-40B4-BE49-F238E27FC236}">
+                <a16:creationId xmlns:a16="http://schemas.microsoft.com/office/drawing/2014/main" id="{A40321BE-40DF-171D-ACE4-EC2F28CAB349}"/>
+              </a:ext>
+            </a:extLst>
+          </p:cNvPr>
+          <p:cNvSpPr txBox="1"/>
+          <p:nvPr/>
+        </p:nvSpPr>
+        <p:spPr>
+          <a:xfrm>
+            <a:off x="561622" y="1111955"/>
+            <a:ext cx="11181645" cy="646331"/>
+          </a:xfrm>
+          <a:prstGeom prst="rect">
+            <a:avLst/>
+          </a:prstGeom>
+          <a:noFill/>
+        </p:spPr>
+        <p:txBody>
+          <a:bodyPr rot="0" spcFirstLastPara="0" vertOverflow="overflow" horzOverflow="overflow" vert="horz" wrap="square" lIns="91440" tIns="45720" rIns="91440" bIns="45720" numCol="1" spcCol="0" rtlCol="0" fromWordArt="0" anchor="t" anchorCtr="0" forceAA="0" compatLnSpc="1">
+            <a:prstTxWarp prst="textNoShape">
+              <a:avLst/>
+            </a:prstTxWarp>
+            <a:spAutoFit/>
+          </a:bodyPr>
+          <a:lstStyle/>
+          <a:p>
+            <a:r>
+              <a:rPr lang="es-ES" dirty="0">
+                <a:solidFill>
+                  <a:srgbClr val="517E76"/>
+                </a:solidFill>
+              </a:rPr>
+              <a:t>Se ha utilizado validación cruzada para evaluar los 3 modelos elegidos, utilizando como score el RMSE – raíz cuadrada del error cuadrático medio</a:t>
+            </a:r>
+            <a:endParaRPr lang="es-ES" dirty="0">
+              <a:solidFill>
+                <a:srgbClr val="517E76"/>
+              </a:solidFill>
+              <a:ea typeface="Calibri"/>
+              <a:cs typeface="Calibri"/>
+            </a:endParaRPr>
+          </a:p>
+        </p:txBody>
+      </p:sp>
+      <p:pic>
+        <p:nvPicPr>
+          <p:cNvPr id="4" name="Imagen 3" descr="Texto&#10;&#10;El contenido generado por inteligencia artificial puede ser incorrecto.">
+            <a:extLst>
+              <a:ext uri="{FF2B5EF4-FFF2-40B4-BE49-F238E27FC236}">
+                <a16:creationId xmlns:a16="http://schemas.microsoft.com/office/drawing/2014/main" id="{06A9DAA0-96D3-4AD1-1487-1DE79B110565}"/>
+              </a:ext>
+            </a:extLst>
+          </p:cNvPr>
+          <p:cNvPicPr>
+            <a:picLocks noChangeAspect="1"/>
+          </p:cNvPicPr>
+          <p:nvPr/>
+        </p:nvPicPr>
+        <p:blipFill>
+          <a:blip r:embed="rId3"/>
+          <a:stretch>
+            <a:fillRect/>
+          </a:stretch>
+        </p:blipFill>
+        <p:spPr>
+          <a:xfrm>
+            <a:off x="-6349" y="1689631"/>
+            <a:ext cx="4669365" cy="5143852"/>
+          </a:xfrm>
+          <a:prstGeom prst="rect">
+            <a:avLst/>
+          </a:prstGeom>
+        </p:spPr>
+      </p:pic>
+      <p:pic>
+        <p:nvPicPr>
+          <p:cNvPr id="5" name="Imagen 4" descr="Texto&#10;&#10;El contenido generado por inteligencia artificial puede ser incorrecto.">
+            <a:extLst>
+              <a:ext uri="{FF2B5EF4-FFF2-40B4-BE49-F238E27FC236}">
+                <a16:creationId xmlns:a16="http://schemas.microsoft.com/office/drawing/2014/main" id="{754D26F0-E110-CFDD-6797-857ED24F6162}"/>
+              </a:ext>
+            </a:extLst>
+          </p:cNvPr>
+          <p:cNvPicPr>
+            <a:picLocks noChangeAspect="1"/>
+          </p:cNvPicPr>
+          <p:nvPr/>
+        </p:nvPicPr>
+        <p:blipFill>
+          <a:blip r:embed="rId4"/>
+          <a:stretch>
+            <a:fillRect/>
+          </a:stretch>
+        </p:blipFill>
+        <p:spPr>
+          <a:xfrm>
+            <a:off x="4780138" y="3297981"/>
+            <a:ext cx="7415390" cy="1797754"/>
+          </a:xfrm>
+          <a:prstGeom prst="rect">
+            <a:avLst/>
+          </a:prstGeom>
+        </p:spPr>
+      </p:pic>
+      <p:sp>
+        <p:nvSpPr>
+          <p:cNvPr id="8" name="CuadroTexto 7">
+            <a:extLst>
+              <a:ext uri="{FF2B5EF4-FFF2-40B4-BE49-F238E27FC236}">
+                <a16:creationId xmlns:a16="http://schemas.microsoft.com/office/drawing/2014/main" id="{006F75C4-CF57-ACC2-D77E-A49DE68DDC49}"/>
+              </a:ext>
+            </a:extLst>
+          </p:cNvPr>
+          <p:cNvSpPr txBox="1"/>
+          <p:nvPr/>
+        </p:nvSpPr>
+        <p:spPr>
+          <a:xfrm>
+            <a:off x="5264881" y="5361262"/>
+            <a:ext cx="6624023" cy="1200329"/>
+          </a:xfrm>
+          <a:prstGeom prst="rect">
+            <a:avLst/>
+          </a:prstGeom>
+          <a:noFill/>
+        </p:spPr>
+        <p:txBody>
+          <a:bodyPr rot="0" spcFirstLastPara="0" vertOverflow="overflow" horzOverflow="overflow" vert="horz" wrap="square" lIns="91440" tIns="45720" rIns="91440" bIns="45720" numCol="1" spcCol="0" rtlCol="0" fromWordArt="0" anchor="t" anchorCtr="0" forceAA="0" compatLnSpc="1">
+            <a:prstTxWarp prst="textNoShape">
+              <a:avLst/>
+            </a:prstTxWarp>
+            <a:spAutoFit/>
+          </a:bodyPr>
+          <a:lstStyle/>
+          <a:p>
+            <a:r>
+              <a:rPr lang="en-US" dirty="0" err="1">
+                <a:solidFill>
+                  <a:srgbClr val="517E76"/>
+                </a:solidFill>
+              </a:rPr>
+              <a:t>Validacion</a:t>
+            </a:r>
+            <a:r>
+              <a:rPr lang="en-US" dirty="0">
+                <a:solidFill>
+                  <a:srgbClr val="517E76"/>
+                </a:solidFill>
+              </a:rPr>
+              <a:t> </a:t>
+            </a:r>
+            <a:r>
+              <a:rPr lang="en-US" dirty="0" err="1">
+                <a:solidFill>
+                  <a:srgbClr val="517E76"/>
+                </a:solidFill>
+              </a:rPr>
+              <a:t>cruzada</a:t>
+            </a:r>
+            <a:r>
+              <a:rPr lang="en-US" dirty="0">
+                <a:solidFill>
+                  <a:srgbClr val="517E76"/>
+                </a:solidFill>
+              </a:rPr>
+              <a:t> con Pipeline VS data leakage</a:t>
+            </a:r>
+            <a:endParaRPr lang="es-ES" dirty="0" err="1">
+              <a:solidFill>
+                <a:srgbClr val="517E76"/>
+              </a:solidFill>
+            </a:endParaRPr>
+          </a:p>
+          <a:p>
+            <a:r>
+              <a:rPr lang="en-US" dirty="0" err="1">
+                <a:solidFill>
+                  <a:srgbClr val="517E76"/>
+                </a:solidFill>
+              </a:rPr>
+              <a:t>Previene</a:t>
+            </a:r>
+            <a:r>
+              <a:rPr lang="en-US" dirty="0">
+                <a:solidFill>
+                  <a:srgbClr val="517E76"/>
+                </a:solidFill>
+              </a:rPr>
+              <a:t> la </a:t>
+            </a:r>
+            <a:r>
+              <a:rPr lang="en-US" dirty="0" err="1">
+                <a:solidFill>
+                  <a:srgbClr val="517E76"/>
+                </a:solidFill>
+              </a:rPr>
+              <a:t>fuga</a:t>
+            </a:r>
+            <a:r>
+              <a:rPr lang="en-US" dirty="0">
+                <a:solidFill>
+                  <a:srgbClr val="517E76"/>
+                </a:solidFill>
+              </a:rPr>
+              <a:t> de </a:t>
+            </a:r>
+            <a:r>
+              <a:rPr lang="en-US" dirty="0" err="1">
+                <a:solidFill>
+                  <a:srgbClr val="517E76"/>
+                </a:solidFill>
+              </a:rPr>
+              <a:t>datos</a:t>
+            </a:r>
+            <a:r>
+              <a:rPr lang="en-US" dirty="0">
+                <a:solidFill>
+                  <a:srgbClr val="517E76"/>
+                </a:solidFill>
+              </a:rPr>
+              <a:t> --&gt; </a:t>
+            </a:r>
+            <a:r>
+              <a:rPr lang="en-US" dirty="0" err="1">
+                <a:solidFill>
+                  <a:srgbClr val="517E76"/>
+                </a:solidFill>
+              </a:rPr>
+              <a:t>Asegura</a:t>
+            </a:r>
+            <a:r>
+              <a:rPr lang="en-US" dirty="0">
+                <a:solidFill>
+                  <a:srgbClr val="517E76"/>
+                </a:solidFill>
+              </a:rPr>
+              <a:t> que la </a:t>
+            </a:r>
+            <a:r>
+              <a:rPr lang="en-US" dirty="0" err="1">
+                <a:solidFill>
+                  <a:srgbClr val="517E76"/>
+                </a:solidFill>
+              </a:rPr>
+              <a:t>información</a:t>
+            </a:r>
+            <a:r>
+              <a:rPr lang="en-US" dirty="0">
+                <a:solidFill>
+                  <a:srgbClr val="517E76"/>
+                </a:solidFill>
+              </a:rPr>
+              <a:t> del conjunto de </a:t>
+            </a:r>
+            <a:r>
+              <a:rPr lang="en-US" dirty="0" err="1">
+                <a:solidFill>
+                  <a:srgbClr val="517E76"/>
+                </a:solidFill>
+              </a:rPr>
+              <a:t>prueba</a:t>
+            </a:r>
+            <a:r>
+              <a:rPr lang="en-US" dirty="0">
+                <a:solidFill>
+                  <a:srgbClr val="517E76"/>
+                </a:solidFill>
+              </a:rPr>
+              <a:t> no se </a:t>
+            </a:r>
+            <a:r>
+              <a:rPr lang="en-US" dirty="0" err="1">
+                <a:solidFill>
+                  <a:srgbClr val="517E76"/>
+                </a:solidFill>
+              </a:rPr>
+              <a:t>utilice</a:t>
+            </a:r>
+            <a:r>
+              <a:rPr lang="en-US" dirty="0">
+                <a:solidFill>
+                  <a:srgbClr val="517E76"/>
+                </a:solidFill>
+              </a:rPr>
+              <a:t> </a:t>
+            </a:r>
+            <a:r>
+              <a:rPr lang="en-US" dirty="0" err="1">
+                <a:solidFill>
+                  <a:srgbClr val="517E76"/>
+                </a:solidFill>
+              </a:rPr>
+              <a:t>durante</a:t>
+            </a:r>
+            <a:r>
+              <a:rPr lang="en-US" dirty="0">
+                <a:solidFill>
+                  <a:srgbClr val="517E76"/>
+                </a:solidFill>
+              </a:rPr>
+              <a:t> </a:t>
+            </a:r>
+            <a:r>
+              <a:rPr lang="en-US" dirty="0" err="1">
+                <a:solidFill>
+                  <a:srgbClr val="517E76"/>
+                </a:solidFill>
+              </a:rPr>
+              <a:t>el</a:t>
+            </a:r>
+            <a:r>
+              <a:rPr lang="en-US" dirty="0">
+                <a:solidFill>
+                  <a:srgbClr val="517E76"/>
+                </a:solidFill>
+              </a:rPr>
+              <a:t> </a:t>
+            </a:r>
+            <a:r>
+              <a:rPr lang="en-US" dirty="0" err="1">
+                <a:solidFill>
+                  <a:srgbClr val="517E76"/>
+                </a:solidFill>
+              </a:rPr>
+              <a:t>preprocesamiento</a:t>
+            </a:r>
+            <a:r>
+              <a:rPr lang="en-US" dirty="0">
+                <a:solidFill>
+                  <a:srgbClr val="517E76"/>
+                </a:solidFill>
+              </a:rPr>
+              <a:t> de </a:t>
+            </a:r>
+            <a:r>
+              <a:rPr lang="en-US" dirty="0" err="1">
+                <a:solidFill>
+                  <a:srgbClr val="517E76"/>
+                </a:solidFill>
+              </a:rPr>
+              <a:t>los</a:t>
+            </a:r>
+            <a:r>
+              <a:rPr lang="en-US" dirty="0">
+                <a:solidFill>
+                  <a:srgbClr val="517E76"/>
+                </a:solidFill>
+              </a:rPr>
+              <a:t> </a:t>
+            </a:r>
+            <a:r>
+              <a:rPr lang="en-US" dirty="0" err="1">
+                <a:solidFill>
+                  <a:srgbClr val="517E76"/>
+                </a:solidFill>
+              </a:rPr>
+              <a:t>datos</a:t>
+            </a:r>
+            <a:r>
+              <a:rPr lang="en-US" dirty="0">
+                <a:solidFill>
+                  <a:srgbClr val="517E76"/>
+                </a:solidFill>
+              </a:rPr>
+              <a:t> de </a:t>
+            </a:r>
+            <a:r>
+              <a:rPr lang="en-US" dirty="0" err="1">
+                <a:solidFill>
+                  <a:srgbClr val="517E76"/>
+                </a:solidFill>
+              </a:rPr>
+              <a:t>entrenamiento</a:t>
+            </a:r>
+            <a:endParaRPr lang="es-ES" dirty="0">
+              <a:solidFill>
+                <a:srgbClr val="517E76"/>
+              </a:solidFill>
+              <a:ea typeface="Calibri" panose="020F0502020204030204"/>
+              <a:cs typeface="Calibri" panose="020F0502020204030204"/>
+            </a:endParaRPr>
+          </a:p>
+        </p:txBody>
+      </p:sp>
+      <p:sp>
+        <p:nvSpPr>
+          <p:cNvPr id="10" name="Globo: línea 9">
+            <a:extLst>
+              <a:ext uri="{FF2B5EF4-FFF2-40B4-BE49-F238E27FC236}">
+                <a16:creationId xmlns:a16="http://schemas.microsoft.com/office/drawing/2014/main" id="{AFCBBA04-31F1-D4FB-55B7-D4809799DE9E}"/>
+              </a:ext>
+            </a:extLst>
+          </p:cNvPr>
+          <p:cNvSpPr/>
+          <p:nvPr/>
+        </p:nvSpPr>
+        <p:spPr>
+          <a:xfrm rot="10800000">
+            <a:off x="2504587" y="2238076"/>
+            <a:ext cx="2038655" cy="208205"/>
+          </a:xfrm>
+          <a:prstGeom prst="borderCallout1">
+            <a:avLst/>
+          </a:prstGeom>
+          <a:noFill/>
+          <a:ln w="28575">
+            <a:solidFill>
+              <a:srgbClr val="FFFF00"/>
+            </a:solidFill>
+          </a:ln>
+        </p:spPr>
+        <p:style>
+          <a:lnRef idx="2">
+            <a:schemeClr val="accent5"/>
+          </a:lnRef>
+          <a:fillRef idx="1">
+            <a:schemeClr val="lt1"/>
+          </a:fillRef>
+          <a:effectRef idx="0">
+            <a:schemeClr val="accent5"/>
+          </a:effectRef>
+          <a:fontRef idx="minor">
+            <a:schemeClr val="dk1"/>
+          </a:fontRef>
+        </p:style>
+        <p:txBody>
+          <a:bodyPr rtlCol="0" anchor="ctr"/>
+          <a:lstStyle/>
+          <a:p>
+            <a:pPr algn="ctr"/>
+            <a:endParaRPr lang="es-ES"/>
+          </a:p>
+        </p:txBody>
+      </p:sp>
+      <p:sp>
+        <p:nvSpPr>
+          <p:cNvPr id="15" name="CuadroTexto 14">
+            <a:extLst>
+              <a:ext uri="{FF2B5EF4-FFF2-40B4-BE49-F238E27FC236}">
+                <a16:creationId xmlns:a16="http://schemas.microsoft.com/office/drawing/2014/main" id="{E10D97F0-666D-BDAE-2B41-FA7D0D717F46}"/>
+              </a:ext>
+            </a:extLst>
+          </p:cNvPr>
+          <p:cNvSpPr txBox="1"/>
+          <p:nvPr/>
+        </p:nvSpPr>
+        <p:spPr>
+          <a:xfrm>
+            <a:off x="5281921" y="1775444"/>
+            <a:ext cx="4136741" cy="584775"/>
+          </a:xfrm>
+          <a:prstGeom prst="rect">
+            <a:avLst/>
+          </a:prstGeom>
+          <a:noFill/>
+          <a:ln>
+            <a:solidFill>
+              <a:srgbClr val="FFFF00"/>
+            </a:solidFill>
+          </a:ln>
+        </p:spPr>
+        <p:txBody>
+          <a:bodyPr rot="0" spcFirstLastPara="0" vertOverflow="overflow" horzOverflow="overflow" vert="horz" wrap="square" lIns="91440" tIns="45720" rIns="91440" bIns="45720" numCol="1" spcCol="0" rtlCol="0" fromWordArt="0" anchor="t" anchorCtr="0" forceAA="0" compatLnSpc="1">
+            <a:prstTxWarp prst="textNoShape">
+              <a:avLst/>
+            </a:prstTxWarp>
+            <a:spAutoFit/>
+          </a:bodyPr>
+          <a:lstStyle/>
+          <a:p>
+            <a:r>
+              <a:rPr lang="es-ES" sz="1600" dirty="0">
+                <a:solidFill>
+                  <a:srgbClr val="517E76"/>
+                </a:solidFill>
+                <a:ea typeface="Calibri"/>
+                <a:cs typeface="Calibri"/>
+              </a:rPr>
+              <a:t>Utilizamos </a:t>
+            </a:r>
+            <a:r>
+              <a:rPr lang="es-ES" sz="1600" dirty="0" err="1">
+                <a:solidFill>
+                  <a:srgbClr val="517E76"/>
+                </a:solidFill>
+                <a:ea typeface="Calibri"/>
+                <a:cs typeface="Calibri"/>
+              </a:rPr>
+              <a:t>TransformedTargetRegressor</a:t>
+            </a:r>
+            <a:r>
+              <a:rPr lang="es-ES" sz="1600" dirty="0">
+                <a:solidFill>
+                  <a:srgbClr val="517E76"/>
+                </a:solidFill>
+                <a:ea typeface="Calibri"/>
+                <a:cs typeface="Calibri"/>
+              </a:rPr>
+              <a:t> para aplicar la transformación logarítmica al target</a:t>
+            </a:r>
+          </a:p>
+        </p:txBody>
+      </p:sp>
+    </p:spTree>
+    <p:extLst>
+      <p:ext uri="{BB962C8B-B14F-4D97-AF65-F5344CB8AC3E}">
+        <p14:creationId xmlns:p14="http://schemas.microsoft.com/office/powerpoint/2010/main" val="500435529"/>
+      </p:ext>
+    </p:extLst>
+  </p:cSld>
+  <p:clrMapOvr>
+    <a:masterClrMapping/>
+  </p:clrMapOvr>
+</p:sld>
+</file>
+
+<file path=ppt/slides/slide11.xml><?xml version="1.0" encoding="utf-8"?>
+<p:sld xmlns:a="http://schemas.openxmlformats.org/drawingml/2006/main" xmlns:r="http://schemas.openxmlformats.org/officeDocument/2006/relationships" xmlns:p="http://schemas.openxmlformats.org/presentationml/2006/main">
+  <p:cSld>
+    <p:spTree>
+      <p:nvGrpSpPr>
         <p:cNvPr id="1" name="">
           <a:extLst>
             <a:ext uri="{FF2B5EF4-FFF2-40B4-BE49-F238E27FC236}">
@@ -3605,6 +4292,12 @@
           <a:prstGeom prst="bentUpArrow">
             <a:avLst/>
           </a:prstGeom>
+          <a:solidFill>
+            <a:srgbClr val="84C6B8"/>
+          </a:solidFill>
+          <a:ln>
+            <a:noFill/>
+          </a:ln>
         </p:spPr>
         <p:style>
           <a:lnRef idx="2">
@@ -3674,7 +4367,7 @@
 </p:sld>
 </file>
 
-<file path=ppt/slides/slide11.xml><?xml version="1.0" encoding="utf-8"?>
+<file path=ppt/slides/slide12.xml><?xml version="1.0" encoding="utf-8"?>
 <p:sld xmlns:a="http://schemas.openxmlformats.org/drawingml/2006/main" xmlns:r="http://schemas.openxmlformats.org/officeDocument/2006/relationships" xmlns:p="http://schemas.openxmlformats.org/presentationml/2006/main">
   <p:cSld>
     <p:spTree>
@@ -3944,12 +4637,18 @@
         </p:nvSpPr>
         <p:spPr>
           <a:xfrm>
-            <a:off x="8124485" y="1396839"/>
+            <a:off x="8159097" y="1302712"/>
             <a:ext cx="2788249" cy="923330"/>
           </a:xfrm>
           <a:prstGeom prst="rect">
             <a:avLst/>
           </a:prstGeom>
+          <a:solidFill>
+            <a:srgbClr val="84C6B8"/>
+          </a:solidFill>
+          <a:ln>
+            <a:noFill/>
+          </a:ln>
         </p:spPr>
         <p:style>
           <a:lnRef idx="1">
@@ -3976,48 +4675,13 @@
           <a:p>
             <a:pPr algn="ctr"/>
             <a:r>
-              <a:rPr lang="it-IT" err="1">
-                <a:ea typeface="Calibri"/>
-                <a:cs typeface="Calibri"/>
-              </a:rPr>
-              <a:t>Valores</a:t>
-            </a:r>
-            <a:r>
               <a:rPr lang="it-IT" dirty="0">
                 <a:ea typeface="Calibri"/>
                 <a:cs typeface="Calibri"/>
               </a:rPr>
-              <a:t> </a:t>
-            </a:r>
-            <a:r>
-              <a:rPr lang="it-IT" err="1">
-                <a:ea typeface="Calibri"/>
-                <a:cs typeface="Calibri"/>
-              </a:rPr>
-              <a:t>reales</a:t>
-            </a:r>
-            <a:r>
-              <a:rPr lang="it-IT" dirty="0">
-                <a:ea typeface="Calibri"/>
-                <a:cs typeface="Calibri"/>
-              </a:rPr>
-              <a:t> </a:t>
-            </a:r>
-            <a:r>
-              <a:rPr lang="it-IT" err="1">
-                <a:ea typeface="Calibri"/>
-                <a:cs typeface="Calibri"/>
-              </a:rPr>
-              <a:t>y_test</a:t>
-            </a:r>
-            <a:r>
-              <a:rPr lang="it-IT" dirty="0">
-                <a:ea typeface="Calibri"/>
-                <a:cs typeface="Calibri"/>
-              </a:rPr>
-              <a:t> </a:t>
-            </a:r>
-            <a:endParaRPr lang="it-IT"/>
+              <a:t>Valores reales</a:t>
+            </a:r>
+            <a:endParaRPr lang="it-IT" dirty="0"/>
           </a:p>
           <a:p>
             <a:pPr algn="ctr"/>
@@ -4037,33 +4701,8 @@
                 <a:ea typeface="Calibri"/>
                 <a:cs typeface="Calibri"/>
               </a:rPr>
-              <a:t> </a:t>
-            </a:r>
-            <a:r>
-              <a:rPr lang="it-IT" dirty="0" err="1">
-                <a:ea typeface="Calibri"/>
-                <a:cs typeface="Calibri"/>
-              </a:rPr>
-              <a:t>Predicción</a:t>
-            </a:r>
-            <a:r>
-              <a:rPr lang="it-IT" dirty="0">
-                <a:ea typeface="Calibri"/>
-                <a:cs typeface="Calibri"/>
-              </a:rPr>
-              <a:t> </a:t>
-            </a:r>
-            <a:r>
-              <a:rPr lang="it-IT" dirty="0" err="1">
-                <a:ea typeface="Calibri"/>
-                <a:cs typeface="Calibri"/>
-              </a:rPr>
-              <a:t>y_pred</a:t>
-            </a:r>
-            <a:endParaRPr lang="it-IT" dirty="0">
-              <a:ea typeface="Calibri"/>
-              <a:cs typeface="Calibri"/>
-            </a:endParaRPr>
+              <a:t> Predicción</a:t>
+            </a:r>
           </a:p>
         </p:txBody>
       </p:sp>
@@ -4071,6 +4710,392 @@
     <p:extLst>
       <p:ext uri="{BB962C8B-B14F-4D97-AF65-F5344CB8AC3E}">
         <p14:creationId xmlns:p14="http://schemas.microsoft.com/office/powerpoint/2010/main" val="968629899"/>
+      </p:ext>
+    </p:extLst>
+  </p:cSld>
+  <p:clrMapOvr>
+    <a:masterClrMapping/>
+  </p:clrMapOvr>
+</p:sld>
+</file>
+
+<file path=ppt/slides/slide13.xml><?xml version="1.0" encoding="utf-8"?>
+<p:sld xmlns:a="http://schemas.openxmlformats.org/drawingml/2006/main" xmlns:r="http://schemas.openxmlformats.org/officeDocument/2006/relationships" xmlns:p="http://schemas.openxmlformats.org/presentationml/2006/main">
+  <p:cSld>
+    <p:spTree>
+      <p:nvGrpSpPr>
+        <p:cNvPr id="1" name=""/>
+        <p:cNvGrpSpPr/>
+        <p:nvPr/>
+      </p:nvGrpSpPr>
+      <p:grpSpPr>
+        <a:xfrm>
+          <a:off x="0" y="0"/>
+          <a:ext cx="0" cy="0"/>
+          <a:chOff x="0" y="0"/>
+          <a:chExt cx="0" cy="0"/>
+        </a:xfrm>
+      </p:grpSpPr>
+      <p:pic>
+        <p:nvPicPr>
+          <p:cNvPr id="4" name="Picture 3">
+            <a:extLst>
+              <a:ext uri="{FF2B5EF4-FFF2-40B4-BE49-F238E27FC236}">
+                <a16:creationId xmlns:a16="http://schemas.microsoft.com/office/drawing/2014/main" id="{D6B40998-31A1-F0A6-77D0-DA0369FB9F04}"/>
+              </a:ext>
+            </a:extLst>
+          </p:cNvPr>
+          <p:cNvPicPr>
+            <a:picLocks noChangeAspect="1"/>
+          </p:cNvPicPr>
+          <p:nvPr/>
+        </p:nvPicPr>
+        <p:blipFill>
+          <a:blip r:embed="rId2"/>
+          <a:stretch>
+            <a:fillRect/>
+          </a:stretch>
+        </p:blipFill>
+        <p:spPr>
+          <a:xfrm>
+            <a:off x="7085091" y="1108821"/>
+            <a:ext cx="3499781" cy="3499781"/>
+          </a:xfrm>
+          <a:prstGeom prst="roundRect">
+            <a:avLst>
+              <a:gd name="adj" fmla="val 4167"/>
+            </a:avLst>
+          </a:prstGeom>
+          <a:solidFill>
+            <a:srgbClr val="FFFFFF"/>
+          </a:solidFill>
+          <a:ln w="76200" cap="sq">
+            <a:solidFill>
+              <a:srgbClr val="292929"/>
+            </a:solidFill>
+            <a:miter lim="800000"/>
+          </a:ln>
+          <a:effectLst>
+            <a:reflection blurRad="12700" stA="28000" endPos="28000" dist="5000" dir="5400000" sy="-100000" algn="bl" rotWithShape="0"/>
+          </a:effectLst>
+          <a:scene3d>
+            <a:camera prst="orthographicFront"/>
+            <a:lightRig rig="threePt" dir="t">
+              <a:rot lat="0" lon="0" rev="2700000"/>
+            </a:lightRig>
+          </a:scene3d>
+          <a:sp3d>
+            <a:bevelT h="38100"/>
+            <a:contourClr>
+              <a:srgbClr val="C0C0C0"/>
+            </a:contourClr>
+          </a:sp3d>
+        </p:spPr>
+      </p:pic>
+      <p:sp>
+        <p:nvSpPr>
+          <p:cNvPr id="5" name="TextBox 5">
+            <a:extLst>
+              <a:ext uri="{FF2B5EF4-FFF2-40B4-BE49-F238E27FC236}">
+                <a16:creationId xmlns:a16="http://schemas.microsoft.com/office/drawing/2014/main" id="{B82D8C7B-18AA-39CD-2945-4A990F1E93B2}"/>
+              </a:ext>
+            </a:extLst>
+          </p:cNvPr>
+          <p:cNvSpPr txBox="1"/>
+          <p:nvPr/>
+        </p:nvSpPr>
+        <p:spPr>
+          <a:xfrm>
+            <a:off x="2001238" y="3724060"/>
+            <a:ext cx="2744498" cy="1384995"/>
+          </a:xfrm>
+          <a:prstGeom prst="rect">
+            <a:avLst/>
+          </a:prstGeom>
+          <a:noFill/>
+        </p:spPr>
+        <p:txBody>
+          <a:bodyPr wrap="square" numCol="2" rtlCol="0">
+            <a:spAutoFit/>
+          </a:bodyPr>
+          <a:lstStyle/>
+          <a:p>
+            <a:pPr marL="285750" indent="-285750">
+              <a:buFont typeface="Arial" panose="020B0604020202020204" pitchFamily="34" charset="0"/>
+              <a:buChar char="•"/>
+            </a:pPr>
+            <a:r>
+              <a:rPr lang="es-ES" sz="1400" dirty="0">
+                <a:solidFill>
+                  <a:srgbClr val="517E76"/>
+                </a:solidFill>
+                <a:latin typeface="Arial Black" panose="020B0A04020102020204" pitchFamily="34" charset="0"/>
+              </a:rPr>
+              <a:t>Patricia</a:t>
+            </a:r>
+          </a:p>
+          <a:p>
+            <a:pPr marL="285750" indent="-285750">
+              <a:buFont typeface="Arial" panose="020B0604020202020204" pitchFamily="34" charset="0"/>
+              <a:buChar char="•"/>
+            </a:pPr>
+            <a:r>
+              <a:rPr lang="es-ES" sz="1400" dirty="0">
+                <a:solidFill>
+                  <a:srgbClr val="517E76"/>
+                </a:solidFill>
+                <a:latin typeface="Arial Black" panose="020B0A04020102020204" pitchFamily="34" charset="0"/>
+              </a:rPr>
+              <a:t>Antonio</a:t>
+            </a:r>
+          </a:p>
+          <a:p>
+            <a:pPr marL="285750" indent="-285750">
+              <a:buFont typeface="Arial" panose="020B0604020202020204" pitchFamily="34" charset="0"/>
+              <a:buChar char="•"/>
+            </a:pPr>
+            <a:r>
+              <a:rPr lang="es-ES" sz="1400" dirty="0">
+                <a:solidFill>
+                  <a:srgbClr val="517E76"/>
+                </a:solidFill>
+                <a:latin typeface="Arial Black" panose="020B0A04020102020204" pitchFamily="34" charset="0"/>
+              </a:rPr>
+              <a:t>Chiara</a:t>
+            </a:r>
+          </a:p>
+          <a:p>
+            <a:pPr marL="285750" indent="-285750">
+              <a:buFont typeface="Arial" panose="020B0604020202020204" pitchFamily="34" charset="0"/>
+              <a:buChar char="•"/>
+            </a:pPr>
+            <a:endParaRPr lang="es-ES" sz="1400" dirty="0">
+              <a:solidFill>
+                <a:srgbClr val="517E76"/>
+              </a:solidFill>
+              <a:latin typeface="Arial Black" panose="020B0A04020102020204" pitchFamily="34" charset="0"/>
+            </a:endParaRPr>
+          </a:p>
+          <a:p>
+            <a:pPr marL="285750" indent="-285750">
+              <a:buFont typeface="Arial" panose="020B0604020202020204" pitchFamily="34" charset="0"/>
+              <a:buChar char="•"/>
+            </a:pPr>
+            <a:endParaRPr lang="es-ES" sz="1400" dirty="0">
+              <a:solidFill>
+                <a:srgbClr val="517E76"/>
+              </a:solidFill>
+              <a:latin typeface="Arial Black" panose="020B0A04020102020204" pitchFamily="34" charset="0"/>
+            </a:endParaRPr>
+          </a:p>
+          <a:p>
+            <a:pPr marL="285750" indent="-285750">
+              <a:buFont typeface="Arial" panose="020B0604020202020204" pitchFamily="34" charset="0"/>
+              <a:buChar char="•"/>
+            </a:pPr>
+            <a:endParaRPr lang="es-ES" sz="1400" dirty="0">
+              <a:solidFill>
+                <a:srgbClr val="517E76"/>
+              </a:solidFill>
+              <a:latin typeface="Arial Black" panose="020B0A04020102020204" pitchFamily="34" charset="0"/>
+            </a:endParaRPr>
+          </a:p>
+          <a:p>
+            <a:pPr marL="285750" indent="-285750">
+              <a:buFont typeface="Arial" panose="020B0604020202020204" pitchFamily="34" charset="0"/>
+              <a:buChar char="•"/>
+            </a:pPr>
+            <a:r>
+              <a:rPr lang="es-ES" sz="1400" dirty="0">
+                <a:solidFill>
+                  <a:srgbClr val="517E76"/>
+                </a:solidFill>
+                <a:latin typeface="Arial Black" panose="020B0A04020102020204" pitchFamily="34" charset="0"/>
+              </a:rPr>
+              <a:t>Eva</a:t>
+            </a:r>
+          </a:p>
+          <a:p>
+            <a:pPr marL="285750" indent="-285750">
+              <a:buFont typeface="Arial" panose="020B0604020202020204" pitchFamily="34" charset="0"/>
+              <a:buChar char="•"/>
+            </a:pPr>
+            <a:r>
+              <a:rPr lang="es-ES" sz="1400" dirty="0">
+                <a:solidFill>
+                  <a:srgbClr val="517E76"/>
+                </a:solidFill>
+                <a:latin typeface="Arial Black" panose="020B0A04020102020204" pitchFamily="34" charset="0"/>
+              </a:rPr>
+              <a:t>Mariano</a:t>
+            </a:r>
+          </a:p>
+          <a:p>
+            <a:pPr marL="285750" indent="-285750">
+              <a:buFont typeface="Arial" panose="020B0604020202020204" pitchFamily="34" charset="0"/>
+              <a:buChar char="•"/>
+            </a:pPr>
+            <a:r>
+              <a:rPr lang="es-ES" sz="1400" dirty="0">
+                <a:solidFill>
+                  <a:srgbClr val="517E76"/>
+                </a:solidFill>
+                <a:latin typeface="Arial Black" panose="020B0A04020102020204" pitchFamily="34" charset="0"/>
+              </a:rPr>
+              <a:t>Justo</a:t>
+            </a:r>
+            <a:endParaRPr lang="en-US" sz="1400" dirty="0">
+              <a:solidFill>
+                <a:srgbClr val="517E76"/>
+              </a:solidFill>
+              <a:latin typeface="Arial Black" panose="020B0A04020102020204" pitchFamily="34" charset="0"/>
+            </a:endParaRPr>
+          </a:p>
+        </p:txBody>
+      </p:sp>
+      <p:sp>
+        <p:nvSpPr>
+          <p:cNvPr id="6" name="TextBox 6">
+            <a:extLst>
+              <a:ext uri="{FF2B5EF4-FFF2-40B4-BE49-F238E27FC236}">
+                <a16:creationId xmlns:a16="http://schemas.microsoft.com/office/drawing/2014/main" id="{8F0EE25B-968B-3D62-7E8A-3461D01B0A7F}"/>
+              </a:ext>
+            </a:extLst>
+          </p:cNvPr>
+          <p:cNvSpPr txBox="1"/>
+          <p:nvPr/>
+        </p:nvSpPr>
+        <p:spPr>
+          <a:xfrm>
+            <a:off x="1319302" y="1469040"/>
+            <a:ext cx="3696974" cy="830997"/>
+          </a:xfrm>
+          <a:prstGeom prst="rect">
+            <a:avLst/>
+          </a:prstGeom>
+          <a:noFill/>
+        </p:spPr>
+        <p:txBody>
+          <a:bodyPr wrap="none" rtlCol="0">
+            <a:spAutoFit/>
+          </a:bodyPr>
+          <a:lstStyle/>
+          <a:p>
+            <a:r>
+              <a:rPr lang="es-ES" sz="4800" dirty="0">
+                <a:solidFill>
+                  <a:srgbClr val="1D3038"/>
+                </a:solidFill>
+                <a:latin typeface="Arial Black" panose="020B0A04020102020204" pitchFamily="34" charset="0"/>
+              </a:rPr>
+              <a:t>¡GRACIAS!</a:t>
+            </a:r>
+            <a:endParaRPr lang="en-US" sz="4800" dirty="0">
+              <a:solidFill>
+                <a:srgbClr val="1D3038"/>
+              </a:solidFill>
+              <a:latin typeface="Arial Black" panose="020B0A04020102020204" pitchFamily="34" charset="0"/>
+            </a:endParaRPr>
+          </a:p>
+        </p:txBody>
+      </p:sp>
+      <p:pic>
+        <p:nvPicPr>
+          <p:cNvPr id="7" name="Picture 2" descr="The Bridge School">
+            <a:extLst>
+              <a:ext uri="{FF2B5EF4-FFF2-40B4-BE49-F238E27FC236}">
+                <a16:creationId xmlns:a16="http://schemas.microsoft.com/office/drawing/2014/main" id="{E77473D2-3644-10F5-C363-31B840CB8338}"/>
+              </a:ext>
+            </a:extLst>
+          </p:cNvPr>
+          <p:cNvPicPr>
+            <a:picLocks noChangeAspect="1" noChangeArrowheads="1"/>
+          </p:cNvPicPr>
+          <p:nvPr/>
+        </p:nvPicPr>
+        <p:blipFill>
+          <a:blip r:embed="rId3">
+            <a:extLst>
+              <a:ext uri="{28A0092B-C50C-407E-A947-70E740481C1C}">
+                <a14:useLocalDpi xmlns:a14="http://schemas.microsoft.com/office/drawing/2010/main" val="0"/>
+              </a:ext>
+            </a:extLst>
+          </a:blip>
+          <a:srcRect/>
+          <a:stretch>
+            <a:fillRect/>
+          </a:stretch>
+        </p:blipFill>
+        <p:spPr bwMode="auto">
+          <a:xfrm>
+            <a:off x="532425" y="6082951"/>
+            <a:ext cx="1838325" cy="433388"/>
+          </a:xfrm>
+          <a:prstGeom prst="rect">
+            <a:avLst/>
+          </a:prstGeom>
+          <a:noFill/>
+          <a:extLst>
+            <a:ext uri="{909E8E84-426E-40DD-AFC4-6F175D3DCCD1}">
+              <a14:hiddenFill xmlns:a14="http://schemas.microsoft.com/office/drawing/2010/main">
+                <a:solidFill>
+                  <a:srgbClr val="FFFFFF"/>
+                </a:solidFill>
+              </a14:hiddenFill>
+            </a:ext>
+          </a:extLst>
+        </p:spPr>
+      </p:pic>
+      <p:sp>
+        <p:nvSpPr>
+          <p:cNvPr id="8" name="TextBox 6">
+            <a:extLst>
+              <a:ext uri="{FF2B5EF4-FFF2-40B4-BE49-F238E27FC236}">
+                <a16:creationId xmlns:a16="http://schemas.microsoft.com/office/drawing/2014/main" id="{DECA4FED-FD1D-E12B-E99B-657E6654F9AC}"/>
+              </a:ext>
+            </a:extLst>
+          </p:cNvPr>
+          <p:cNvSpPr txBox="1"/>
+          <p:nvPr/>
+        </p:nvSpPr>
+        <p:spPr>
+          <a:xfrm>
+            <a:off x="2152126" y="3255696"/>
+            <a:ext cx="2031325" cy="461665"/>
+          </a:xfrm>
+          <a:prstGeom prst="rect">
+            <a:avLst/>
+          </a:prstGeom>
+          <a:noFill/>
+        </p:spPr>
+        <p:txBody>
+          <a:bodyPr wrap="none" rtlCol="0">
+            <a:spAutoFit/>
+          </a:bodyPr>
+          <a:lstStyle/>
+          <a:p>
+            <a:r>
+              <a:rPr lang="es-ES" sz="2400" dirty="0">
+                <a:solidFill>
+                  <a:srgbClr val="1D3038"/>
+                </a:solidFill>
+                <a:latin typeface="Arial Black" panose="020B0A04020102020204" pitchFamily="34" charset="0"/>
+              </a:rPr>
+              <a:t>TEAM MPG</a:t>
+            </a:r>
+            <a:endParaRPr lang="en-US" sz="2400" dirty="0">
+              <a:solidFill>
+                <a:srgbClr val="1D3038"/>
+              </a:solidFill>
+              <a:latin typeface="Arial Black" panose="020B0A04020102020204" pitchFamily="34" charset="0"/>
+            </a:endParaRPr>
+          </a:p>
+        </p:txBody>
+      </p:sp>
+    </p:spTree>
+    <p:extLst>
+      <p:ext uri="{BB962C8B-B14F-4D97-AF65-F5344CB8AC3E}">
+        <p14:creationId xmlns:p14="http://schemas.microsoft.com/office/powerpoint/2010/main" val="1935644314"/>
       </p:ext>
     </p:extLst>
   </p:cSld>
@@ -5194,7 +6219,7 @@
           <p:spPr>
             <a:xfrm>
               <a:off x="647059" y="160224"/>
-              <a:ext cx="8551315" cy="769441"/>
+              <a:ext cx="7513595" cy="769441"/>
             </a:xfrm>
             <a:prstGeom prst="rect">
               <a:avLst/>
@@ -5213,7 +6238,7 @@
                     <a:schemeClr val="bg1"/>
                   </a:solidFill>
                 </a:rPr>
-                <a:t>Pipeline preprocesado categóricas I</a:t>
+                <a:t>Pipeline procesado categóricas I</a:t>
               </a:r>
               <a:endParaRPr lang="en-US" sz="4400" dirty="0">
                 <a:solidFill>
@@ -5318,14 +6343,13 @@
               </a:ext>
             </a:extLst>
           </a:blip>
-          <a:stretch>
-            <a:fillRect/>
-          </a:stretch>
+          <a:srcRect l="3443"/>
+          <a:stretch/>
         </p:blipFill>
         <p:spPr>
           <a:xfrm>
-            <a:off x="359126" y="1266485"/>
-            <a:ext cx="4972744" cy="1190791"/>
+            <a:off x="530352" y="1266485"/>
+            <a:ext cx="4801518" cy="1190791"/>
           </a:xfrm>
           <a:prstGeom prst="rect">
             <a:avLst/>
@@ -5509,7 +6533,7 @@
           <p:spPr>
             <a:xfrm>
               <a:off x="647059" y="160224"/>
-              <a:ext cx="8538491" cy="769441"/>
+              <a:ext cx="8081058" cy="769441"/>
             </a:xfrm>
             <a:prstGeom prst="rect">
               <a:avLst/>
@@ -5528,7 +6552,7 @@
                     <a:schemeClr val="bg1"/>
                   </a:solidFill>
                 </a:rPr>
-                <a:t>Pipeline preprocesado categóricas II </a:t>
+                <a:t>Pipeline procesado categóricas II </a:t>
               </a:r>
               <a:endParaRPr lang="en-US" sz="4400" dirty="0">
                 <a:solidFill>
@@ -5733,7 +6757,7 @@
           <p:spPr>
             <a:xfrm>
               <a:off x="647059" y="160224"/>
-              <a:ext cx="7809767" cy="769441"/>
+              <a:ext cx="7042954" cy="769441"/>
             </a:xfrm>
             <a:prstGeom prst="rect">
               <a:avLst/>
@@ -5752,23 +6776,7 @@
                     <a:schemeClr val="bg1"/>
                   </a:solidFill>
                 </a:rPr>
-                <a:t>Pipeline </a:t>
-              </a:r>
-              <a:r>
-                <a:rPr lang="es-ES" sz="4400" dirty="0" err="1">
-                  <a:solidFill>
-                    <a:schemeClr val="bg1"/>
-                  </a:solidFill>
-                </a:rPr>
-                <a:t>preprocesado</a:t>
-              </a:r>
-              <a:r>
-                <a:rPr lang="es-ES" sz="4400" dirty="0">
-                  <a:solidFill>
-                    <a:schemeClr val="bg1"/>
-                  </a:solidFill>
-                </a:rPr>
-                <a:t> numéricas</a:t>
+                <a:t>Pipeline procesado numéricas</a:t>
               </a:r>
               <a:endParaRPr lang="en-US" sz="4400" dirty="0">
                 <a:solidFill>
@@ -5779,6 +6787,65 @@
           </p:txBody>
         </p:sp>
       </p:grpSp>
+      <p:pic>
+        <p:nvPicPr>
+          <p:cNvPr id="3" name="Imagen 2">
+            <a:extLst>
+              <a:ext uri="{FF2B5EF4-FFF2-40B4-BE49-F238E27FC236}">
+                <a16:creationId xmlns:a16="http://schemas.microsoft.com/office/drawing/2014/main" id="{F4D8F32E-25A0-4127-DEF2-C7F646D3415E}"/>
+              </a:ext>
+            </a:extLst>
+          </p:cNvPr>
+          <p:cNvPicPr>
+            <a:picLocks noChangeAspect="1"/>
+          </p:cNvPicPr>
+          <p:nvPr/>
+        </p:nvPicPr>
+        <p:blipFill>
+          <a:blip r:embed="rId3"/>
+          <a:stretch>
+            <a:fillRect/>
+          </a:stretch>
+        </p:blipFill>
+        <p:spPr>
+          <a:xfrm>
+            <a:off x="2678109" y="4566433"/>
+            <a:ext cx="6835782" cy="1967132"/>
+          </a:xfrm>
+          <a:prstGeom prst="rect">
+            <a:avLst/>
+          </a:prstGeom>
+        </p:spPr>
+      </p:pic>
+      <p:pic>
+        <p:nvPicPr>
+          <p:cNvPr id="7" name="Imagen 6">
+            <a:extLst>
+              <a:ext uri="{FF2B5EF4-FFF2-40B4-BE49-F238E27FC236}">
+                <a16:creationId xmlns:a16="http://schemas.microsoft.com/office/drawing/2014/main" id="{9A14EC21-03DC-D93F-B8FE-57F04D653D94}"/>
+              </a:ext>
+            </a:extLst>
+          </p:cNvPr>
+          <p:cNvPicPr>
+            <a:picLocks noChangeAspect="1"/>
+          </p:cNvPicPr>
+          <p:nvPr/>
+        </p:nvPicPr>
+        <p:blipFill>
+          <a:blip r:embed="rId4"/>
+          <a:srcRect l="1295"/>
+          <a:stretch/>
+        </p:blipFill>
+        <p:spPr>
+          <a:xfrm>
+            <a:off x="3134087" y="1250115"/>
+            <a:ext cx="5923826" cy="3134162"/>
+          </a:xfrm>
+          <a:prstGeom prst="rect">
+            <a:avLst/>
+          </a:prstGeom>
+        </p:spPr>
+      </p:pic>
     </p:spTree>
     <p:extLst>
       <p:ext uri="{BB962C8B-B14F-4D97-AF65-F5344CB8AC3E}">
@@ -5926,7 +6993,7 @@
           <p:spPr>
             <a:xfrm>
               <a:off x="647059" y="160224"/>
-              <a:ext cx="2537874" cy="769441"/>
+              <a:ext cx="7600863" cy="769441"/>
             </a:xfrm>
             <a:prstGeom prst="rect">
               <a:avLst/>
@@ -5945,7 +7012,7 @@
                     <a:schemeClr val="bg1"/>
                   </a:solidFill>
                 </a:rPr>
-                <a:t>Modelado</a:t>
+                <a:t>Pipeline preprocesado completo</a:t>
               </a:r>
               <a:endParaRPr lang="en-US" sz="4400" dirty="0">
                 <a:solidFill>
@@ -5956,61 +7023,12 @@
           </p:txBody>
         </p:sp>
       </p:grpSp>
-      <p:sp>
-        <p:nvSpPr>
-          <p:cNvPr id="3" name="CuadroTexto 2">
+      <p:pic>
+        <p:nvPicPr>
+          <p:cNvPr id="5" name="Imagen 4">
             <a:extLst>
               <a:ext uri="{FF2B5EF4-FFF2-40B4-BE49-F238E27FC236}">
-                <a16:creationId xmlns:a16="http://schemas.microsoft.com/office/drawing/2014/main" id="{A40321BE-40DF-171D-ACE4-EC2F28CAB349}"/>
-              </a:ext>
-            </a:extLst>
-          </p:cNvPr>
-          <p:cNvSpPr txBox="1"/>
-          <p:nvPr/>
-        </p:nvSpPr>
-        <p:spPr>
-          <a:xfrm>
-            <a:off x="561622" y="1111955"/>
-            <a:ext cx="11181645" cy="646331"/>
-          </a:xfrm>
-          <a:prstGeom prst="rect">
-            <a:avLst/>
-          </a:prstGeom>
-          <a:noFill/>
-        </p:spPr>
-        <p:txBody>
-          <a:bodyPr rot="0" spcFirstLastPara="0" vertOverflow="overflow" horzOverflow="overflow" vert="horz" wrap="square" lIns="91440" tIns="45720" rIns="91440" bIns="45720" numCol="1" spcCol="0" rtlCol="0" fromWordArt="0" anchor="t" anchorCtr="0" forceAA="0" compatLnSpc="1">
-            <a:prstTxWarp prst="textNoShape">
-              <a:avLst/>
-            </a:prstTxWarp>
-            <a:spAutoFit/>
-          </a:bodyPr>
-          <a:lstStyle/>
-          <a:p>
-            <a:r>
-              <a:rPr lang="es-ES" dirty="0">
-                <a:solidFill>
-                  <a:srgbClr val="517E76"/>
-                </a:solidFill>
-              </a:rPr>
-              <a:t>Se ha utilizado validación cruzada para evaluar los 3 modelos elegidos, utilizando como score el RMSE –raíz cuadrada del error cuadrático medio - </a:t>
-            </a:r>
-            <a:endParaRPr lang="es-ES" dirty="0" err="1">
-              <a:solidFill>
-                <a:srgbClr val="517E76"/>
-              </a:solidFill>
-              <a:ea typeface="Calibri"/>
-              <a:cs typeface="Calibri"/>
-            </a:endParaRPr>
-          </a:p>
-        </p:txBody>
-      </p:sp>
-      <p:pic>
-        <p:nvPicPr>
-          <p:cNvPr id="4" name="Imagen 3" descr="Texto&#10;&#10;El contenido generado por inteligencia artificial puede ser incorrecto.">
-            <a:extLst>
-              <a:ext uri="{FF2B5EF4-FFF2-40B4-BE49-F238E27FC236}">
-                <a16:creationId xmlns:a16="http://schemas.microsoft.com/office/drawing/2014/main" id="{06A9DAA0-96D3-4AD1-1487-1DE79B110565}"/>
+                <a16:creationId xmlns:a16="http://schemas.microsoft.com/office/drawing/2014/main" id="{2FEB6283-32DE-D0E8-063B-3EC9A9BB9030}"/>
               </a:ext>
             </a:extLst>
           </p:cNvPr>
@@ -6027,50 +7045,20 @@
         </p:blipFill>
         <p:spPr>
           <a:xfrm>
-            <a:off x="-6349" y="1689631"/>
-            <a:ext cx="4669365" cy="5143852"/>
+            <a:off x="2702024" y="1854430"/>
+            <a:ext cx="6787947" cy="2303882"/>
           </a:xfrm>
           <a:prstGeom prst="rect">
             <a:avLst/>
           </a:prstGeom>
         </p:spPr>
       </p:pic>
-      <p:pic>
-        <p:nvPicPr>
-          <p:cNvPr id="5" name="Imagen 4" descr="Texto&#10;&#10;El contenido generado por inteligencia artificial puede ser incorrecto.">
+      <p:sp>
+        <p:nvSpPr>
+          <p:cNvPr id="2" name="CuadroTexto 1">
             <a:extLst>
               <a:ext uri="{FF2B5EF4-FFF2-40B4-BE49-F238E27FC236}">
-                <a16:creationId xmlns:a16="http://schemas.microsoft.com/office/drawing/2014/main" id="{754D26F0-E110-CFDD-6797-857ED24F6162}"/>
-              </a:ext>
-            </a:extLst>
-          </p:cNvPr>
-          <p:cNvPicPr>
-            <a:picLocks noChangeAspect="1"/>
-          </p:cNvPicPr>
-          <p:nvPr/>
-        </p:nvPicPr>
-        <p:blipFill>
-          <a:blip r:embed="rId4"/>
-          <a:stretch>
-            <a:fillRect/>
-          </a:stretch>
-        </p:blipFill>
-        <p:spPr>
-          <a:xfrm>
-            <a:off x="4780138" y="3297981"/>
-            <a:ext cx="7415390" cy="1797754"/>
-          </a:xfrm>
-          <a:prstGeom prst="rect">
-            <a:avLst/>
-          </a:prstGeom>
-        </p:spPr>
-      </p:pic>
-      <p:sp>
-        <p:nvSpPr>
-          <p:cNvPr id="8" name="CuadroTexto 7">
-            <a:extLst>
-              <a:ext uri="{FF2B5EF4-FFF2-40B4-BE49-F238E27FC236}">
-                <a16:creationId xmlns:a16="http://schemas.microsoft.com/office/drawing/2014/main" id="{006F75C4-CF57-ACC2-D77E-A49DE68DDC49}"/>
+                <a16:creationId xmlns:a16="http://schemas.microsoft.com/office/drawing/2014/main" id="{1308BEF9-AD27-A79F-1A88-717030C35FB5}"/>
               </a:ext>
             </a:extLst>
           </p:cNvPr>
@@ -6079,8 +7067,8 @@
         </p:nvSpPr>
         <p:spPr>
           <a:xfrm>
-            <a:off x="5264881" y="5361262"/>
-            <a:ext cx="6624023" cy="1200329"/>
+            <a:off x="2783987" y="5195594"/>
+            <a:ext cx="6624023" cy="369332"/>
           </a:xfrm>
           <a:prstGeom prst="rect">
             <a:avLst/>
@@ -6097,251 +7085,28 @@
           <a:lstStyle/>
           <a:p>
             <a:r>
-              <a:rPr lang="en-US" err="1">
+              <a:rPr lang="es-ES" dirty="0">
                 <a:solidFill>
                   <a:srgbClr val="517E76"/>
                 </a:solidFill>
               </a:rPr>
-              <a:t>Validacion</a:t>
-            </a:r>
-            <a:r>
-              <a:rPr lang="en-US" dirty="0">
+              <a:t>Transformamos todas las </a:t>
+            </a:r>
+            <a:r>
+              <a:rPr lang="es-ES" dirty="0" err="1">
                 <a:solidFill>
                   <a:srgbClr val="517E76"/>
                 </a:solidFill>
               </a:rPr>
-              <a:t> </a:t>
-            </a:r>
-            <a:r>
-              <a:rPr lang="en-US" err="1">
+              <a:t>features</a:t>
+            </a:r>
+            <a:r>
+              <a:rPr lang="es-ES" dirty="0">
                 <a:solidFill>
                   <a:srgbClr val="517E76"/>
                 </a:solidFill>
               </a:rPr>
-              <a:t>cruzada</a:t>
-            </a:r>
-            <a:r>
-              <a:rPr lang="en-US" dirty="0">
-                <a:solidFill>
-                  <a:srgbClr val="517E76"/>
-                </a:solidFill>
-              </a:rPr>
-              <a:t> con Pipeline VS data </a:t>
-            </a:r>
-            <a:r>
-              <a:rPr lang="en-US">
-                <a:solidFill>
-                  <a:srgbClr val="517E76"/>
-                </a:solidFill>
-              </a:rPr>
-              <a:t>leakage</a:t>
-            </a:r>
-            <a:endParaRPr lang="es-ES" dirty="0" err="1">
-              <a:solidFill>
-                <a:srgbClr val="517E76"/>
-              </a:solidFill>
-            </a:endParaRPr>
-          </a:p>
-          <a:p>
-            <a:r>
-              <a:rPr lang="en-US" dirty="0" err="1">
-                <a:solidFill>
-                  <a:srgbClr val="517E76"/>
-                </a:solidFill>
-              </a:rPr>
-              <a:t>Previene</a:t>
-            </a:r>
-            <a:r>
-              <a:rPr lang="en-US" dirty="0">
-                <a:solidFill>
-                  <a:srgbClr val="517E76"/>
-                </a:solidFill>
-              </a:rPr>
-              <a:t> la </a:t>
-            </a:r>
-            <a:r>
-              <a:rPr lang="en-US" dirty="0" err="1">
-                <a:solidFill>
-                  <a:srgbClr val="517E76"/>
-                </a:solidFill>
-              </a:rPr>
-              <a:t>fuga</a:t>
-            </a:r>
-            <a:r>
-              <a:rPr lang="en-US" dirty="0">
-                <a:solidFill>
-                  <a:srgbClr val="517E76"/>
-                </a:solidFill>
-              </a:rPr>
-              <a:t> de </a:t>
-            </a:r>
-            <a:r>
-              <a:rPr lang="en-US" dirty="0" err="1">
-                <a:solidFill>
-                  <a:srgbClr val="517E76"/>
-                </a:solidFill>
-              </a:rPr>
-              <a:t>datos</a:t>
-            </a:r>
-            <a:r>
-              <a:rPr lang="en-US" dirty="0">
-                <a:solidFill>
-                  <a:srgbClr val="517E76"/>
-                </a:solidFill>
-              </a:rPr>
-              <a:t> --&gt; </a:t>
-            </a:r>
-            <a:r>
-              <a:rPr lang="en-US" dirty="0" err="1">
-                <a:solidFill>
-                  <a:srgbClr val="517E76"/>
-                </a:solidFill>
-              </a:rPr>
-              <a:t>Asegura</a:t>
-            </a:r>
-            <a:r>
-              <a:rPr lang="en-US" dirty="0">
-                <a:solidFill>
-                  <a:srgbClr val="517E76"/>
-                </a:solidFill>
-              </a:rPr>
-              <a:t> que la </a:t>
-            </a:r>
-            <a:r>
-              <a:rPr lang="en-US" dirty="0" err="1">
-                <a:solidFill>
-                  <a:srgbClr val="517E76"/>
-                </a:solidFill>
-              </a:rPr>
-              <a:t>información</a:t>
-            </a:r>
-            <a:r>
-              <a:rPr lang="en-US" dirty="0">
-                <a:solidFill>
-                  <a:srgbClr val="517E76"/>
-                </a:solidFill>
-              </a:rPr>
-              <a:t> del conjunto de </a:t>
-            </a:r>
-            <a:r>
-              <a:rPr lang="en-US" dirty="0" err="1">
-                <a:solidFill>
-                  <a:srgbClr val="517E76"/>
-                </a:solidFill>
-              </a:rPr>
-              <a:t>prueba</a:t>
-            </a:r>
-            <a:r>
-              <a:rPr lang="en-US" dirty="0">
-                <a:solidFill>
-                  <a:srgbClr val="517E76"/>
-                </a:solidFill>
-              </a:rPr>
-              <a:t> no se </a:t>
-            </a:r>
-            <a:r>
-              <a:rPr lang="en-US" dirty="0" err="1">
-                <a:solidFill>
-                  <a:srgbClr val="517E76"/>
-                </a:solidFill>
-              </a:rPr>
-              <a:t>utilice</a:t>
-            </a:r>
-            <a:r>
-              <a:rPr lang="en-US" dirty="0">
-                <a:solidFill>
-                  <a:srgbClr val="517E76"/>
-                </a:solidFill>
-              </a:rPr>
-              <a:t> </a:t>
-            </a:r>
-            <a:r>
-              <a:rPr lang="en-US" dirty="0" err="1">
-                <a:solidFill>
-                  <a:srgbClr val="517E76"/>
-                </a:solidFill>
-              </a:rPr>
-              <a:t>durante</a:t>
-            </a:r>
-            <a:r>
-              <a:rPr lang="en-US" dirty="0">
-                <a:solidFill>
-                  <a:srgbClr val="517E76"/>
-                </a:solidFill>
-              </a:rPr>
-              <a:t> </a:t>
-            </a:r>
-            <a:r>
-              <a:rPr lang="en-US" dirty="0" err="1">
-                <a:solidFill>
-                  <a:srgbClr val="517E76"/>
-                </a:solidFill>
-              </a:rPr>
-              <a:t>el</a:t>
-            </a:r>
-            <a:r>
-              <a:rPr lang="en-US" dirty="0">
-                <a:solidFill>
-                  <a:srgbClr val="517E76"/>
-                </a:solidFill>
-              </a:rPr>
-              <a:t> </a:t>
-            </a:r>
-            <a:r>
-              <a:rPr lang="en-US" dirty="0" err="1">
-                <a:solidFill>
-                  <a:srgbClr val="517E76"/>
-                </a:solidFill>
-              </a:rPr>
-              <a:t>preprocesamiento</a:t>
-            </a:r>
-            <a:r>
-              <a:rPr lang="en-US" dirty="0">
-                <a:solidFill>
-                  <a:srgbClr val="517E76"/>
-                </a:solidFill>
-              </a:rPr>
-              <a:t> de </a:t>
-            </a:r>
-            <a:r>
-              <a:rPr lang="en-US" dirty="0" err="1">
-                <a:solidFill>
-                  <a:srgbClr val="517E76"/>
-                </a:solidFill>
-              </a:rPr>
-              <a:t>los</a:t>
-            </a:r>
-            <a:r>
-              <a:rPr lang="en-US" dirty="0">
-                <a:solidFill>
-                  <a:srgbClr val="517E76"/>
-                </a:solidFill>
-              </a:rPr>
-              <a:t> </a:t>
-            </a:r>
-            <a:r>
-              <a:rPr lang="en-US" dirty="0" err="1">
-                <a:solidFill>
-                  <a:srgbClr val="517E76"/>
-                </a:solidFill>
-              </a:rPr>
-              <a:t>datos</a:t>
-            </a:r>
-            <a:r>
-              <a:rPr lang="en-US" dirty="0">
-                <a:solidFill>
-                  <a:srgbClr val="517E76"/>
-                </a:solidFill>
-              </a:rPr>
-              <a:t> de </a:t>
-            </a:r>
-            <a:r>
-              <a:rPr lang="en-US" dirty="0" err="1">
-                <a:solidFill>
-                  <a:srgbClr val="517E76"/>
-                </a:solidFill>
-              </a:rPr>
-              <a:t>entrenamiento</a:t>
+              <a:t> y eliminamos la columna del target</a:t>
             </a:r>
             <a:endParaRPr lang="es-ES" dirty="0">
               <a:solidFill>
@@ -6353,169 +7118,10 @@
           </a:p>
         </p:txBody>
       </p:sp>
-      <p:sp>
-        <p:nvSpPr>
-          <p:cNvPr id="10" name="Globo: línea 9">
-            <a:extLst>
-              <a:ext uri="{FF2B5EF4-FFF2-40B4-BE49-F238E27FC236}">
-                <a16:creationId xmlns:a16="http://schemas.microsoft.com/office/drawing/2014/main" id="{AFCBBA04-31F1-D4FB-55B7-D4809799DE9E}"/>
-              </a:ext>
-            </a:extLst>
-          </p:cNvPr>
-          <p:cNvSpPr/>
-          <p:nvPr/>
-        </p:nvSpPr>
-        <p:spPr>
-          <a:xfrm rot="10800000">
-            <a:off x="2504587" y="2238076"/>
-            <a:ext cx="2038655" cy="208205"/>
-          </a:xfrm>
-          <a:prstGeom prst="borderCallout1">
-            <a:avLst/>
-          </a:prstGeom>
-          <a:noFill/>
-          <a:ln w="28575">
-            <a:solidFill>
-              <a:srgbClr val="FFFF00"/>
-            </a:solidFill>
-          </a:ln>
-        </p:spPr>
-        <p:style>
-          <a:lnRef idx="2">
-            <a:schemeClr val="accent5"/>
-          </a:lnRef>
-          <a:fillRef idx="1">
-            <a:schemeClr val="lt1"/>
-          </a:fillRef>
-          <a:effectRef idx="0">
-            <a:schemeClr val="accent5"/>
-          </a:effectRef>
-          <a:fontRef idx="minor">
-            <a:schemeClr val="dk1"/>
-          </a:fontRef>
-        </p:style>
-        <p:txBody>
-          <a:bodyPr rtlCol="0" anchor="ctr"/>
-          <a:lstStyle/>
-          <a:p>
-            <a:pPr algn="ctr"/>
-            <a:endParaRPr lang="es-ES"/>
-          </a:p>
-        </p:txBody>
-      </p:sp>
-      <p:sp>
-        <p:nvSpPr>
-          <p:cNvPr id="15" name="CuadroTexto 14">
-            <a:extLst>
-              <a:ext uri="{FF2B5EF4-FFF2-40B4-BE49-F238E27FC236}">
-                <a16:creationId xmlns:a16="http://schemas.microsoft.com/office/drawing/2014/main" id="{E10D97F0-666D-BDAE-2B41-FA7D0D717F46}"/>
-              </a:ext>
-            </a:extLst>
-          </p:cNvPr>
-          <p:cNvSpPr txBox="1"/>
-          <p:nvPr/>
-        </p:nvSpPr>
-        <p:spPr>
-          <a:xfrm>
-            <a:off x="5281921" y="1775444"/>
-            <a:ext cx="4136741" cy="584775"/>
-          </a:xfrm>
-          <a:prstGeom prst="rect">
-            <a:avLst/>
-          </a:prstGeom>
-          <a:noFill/>
-          <a:ln>
-            <a:solidFill>
-              <a:srgbClr val="FFFF00"/>
-            </a:solidFill>
-          </a:ln>
-        </p:spPr>
-        <p:txBody>
-          <a:bodyPr rot="0" spcFirstLastPara="0" vertOverflow="overflow" horzOverflow="overflow" vert="horz" wrap="square" lIns="91440" tIns="45720" rIns="91440" bIns="45720" numCol="1" spcCol="0" rtlCol="0" fromWordArt="0" anchor="t" anchorCtr="0" forceAA="0" compatLnSpc="1">
-            <a:prstTxWarp prst="textNoShape">
-              <a:avLst/>
-            </a:prstTxWarp>
-            <a:spAutoFit/>
-          </a:bodyPr>
-          <a:lstStyle/>
-          <a:p>
-            <a:r>
-              <a:rPr lang="es-ES" sz="1600" dirty="0">
-                <a:solidFill>
-                  <a:srgbClr val="517E76"/>
-                </a:solidFill>
-                <a:ea typeface="Calibri"/>
-                <a:cs typeface="Calibri"/>
-              </a:rPr>
-              <a:t>Utilizamos </a:t>
-            </a:r>
-            <a:r>
-              <a:rPr lang="es-ES" sz="1600" err="1">
-                <a:solidFill>
-                  <a:srgbClr val="517E76"/>
-                </a:solidFill>
-                <a:ea typeface="Calibri"/>
-                <a:cs typeface="Calibri"/>
-              </a:rPr>
-              <a:t>TransformedTargetRegressor</a:t>
-            </a:r>
-            <a:r>
-              <a:rPr lang="es-ES" sz="1600" dirty="0">
-                <a:solidFill>
-                  <a:srgbClr val="517E76"/>
-                </a:solidFill>
-                <a:ea typeface="Calibri"/>
-                <a:cs typeface="Calibri"/>
-              </a:rPr>
-              <a:t> para aplicar la </a:t>
-            </a:r>
-            <a:r>
-              <a:rPr lang="es-ES" sz="1600" err="1">
-                <a:solidFill>
-                  <a:srgbClr val="517E76"/>
-                </a:solidFill>
-                <a:ea typeface="Calibri"/>
-                <a:cs typeface="Calibri"/>
-              </a:rPr>
-              <a:t>transformacion</a:t>
-            </a:r>
-            <a:r>
-              <a:rPr lang="es-ES" sz="1600" dirty="0">
-                <a:solidFill>
-                  <a:srgbClr val="517E76"/>
-                </a:solidFill>
-                <a:ea typeface="Calibri"/>
-                <a:cs typeface="Calibri"/>
-              </a:rPr>
-              <a:t> </a:t>
-            </a:r>
-            <a:r>
-              <a:rPr lang="es-ES" sz="1600" err="1">
-                <a:solidFill>
-                  <a:srgbClr val="517E76"/>
-                </a:solidFill>
-                <a:ea typeface="Calibri"/>
-                <a:cs typeface="Calibri"/>
-              </a:rPr>
-              <a:t>logaritmica</a:t>
-            </a:r>
-            <a:r>
-              <a:rPr lang="es-ES" sz="1600" dirty="0">
-                <a:solidFill>
-                  <a:srgbClr val="517E76"/>
-                </a:solidFill>
-                <a:ea typeface="Calibri"/>
-                <a:cs typeface="Calibri"/>
-              </a:rPr>
-              <a:t> al target</a:t>
-            </a:r>
-          </a:p>
-        </p:txBody>
-      </p:sp>
     </p:spTree>
     <p:extLst>
       <p:ext uri="{BB962C8B-B14F-4D97-AF65-F5344CB8AC3E}">
-        <p14:creationId xmlns:p14="http://schemas.microsoft.com/office/powerpoint/2010/main" val="500435529"/>
+        <p14:creationId xmlns:p14="http://schemas.microsoft.com/office/powerpoint/2010/main" val="2529039111"/>
       </p:ext>
     </p:extLst>
   </p:cSld>
